--- a/CRS-GROUP-A.pptx
+++ b/CRS-GROUP-A.pptx
@@ -4,6 +4,9 @@
   <p:sldMasterIdLst>
     <p:sldMasterId id="2147483701" r:id="rId1"/>
   </p:sldMasterIdLst>
+  <p:notesMasterIdLst>
+    <p:notesMasterId r:id="rId21"/>
+  </p:notesMasterIdLst>
   <p:sldIdLst>
     <p:sldId id="257" r:id="rId2"/>
     <p:sldId id="256" r:id="rId3"/>
@@ -21,7 +24,9 @@
     <p:sldId id="269" r:id="rId15"/>
     <p:sldId id="271" r:id="rId16"/>
     <p:sldId id="270" r:id="rId17"/>
-    <p:sldId id="258" r:id="rId18"/>
+    <p:sldId id="276" r:id="rId18"/>
+    <p:sldId id="258" r:id="rId19"/>
+    <p:sldId id="277" r:id="rId20"/>
   </p:sldIdLst>
   <p:sldSz cx="12192000" cy="6858000"/>
   <p:notesSz cx="6858000" cy="9144000"/>
@@ -121,6 +126,2387 @@
     </a:lvl9pPr>
   </p:defaultTextStyle>
 </p:presentation>
+</file>
+
+<file path=ppt/notesMasters/notesMaster1.xml><?xml version="1.0" encoding="utf-8"?>
+<p:notesMaster xmlns:a="http://schemas.openxmlformats.org/drawingml/2006/main" xmlns:r="http://schemas.openxmlformats.org/officeDocument/2006/relationships" xmlns:p="http://schemas.openxmlformats.org/presentationml/2006/main">
+  <p:cSld>
+    <p:bg>
+      <p:bgRef idx="1001">
+        <a:schemeClr val="bg1"/>
+      </p:bgRef>
+    </p:bg>
+    <p:spTree>
+      <p:nvGrpSpPr>
+        <p:cNvPr id="1" name=""/>
+        <p:cNvGrpSpPr/>
+        <p:nvPr/>
+      </p:nvGrpSpPr>
+      <p:grpSpPr>
+        <a:xfrm>
+          <a:off x="0" y="0"/>
+          <a:ext cx="0" cy="0"/>
+          <a:chOff x="0" y="0"/>
+          <a:chExt cx="0" cy="0"/>
+        </a:xfrm>
+      </p:grpSpPr>
+      <p:sp>
+        <p:nvSpPr>
+          <p:cNvPr id="2" name="Header Placeholder 1"/>
+          <p:cNvSpPr>
+            <a:spLocks noGrp="1"/>
+          </p:cNvSpPr>
+          <p:nvPr>
+            <p:ph type="hdr" sz="quarter"/>
+          </p:nvPr>
+        </p:nvSpPr>
+        <p:spPr>
+          <a:xfrm>
+            <a:off x="0" y="0"/>
+            <a:ext cx="2971800" cy="458788"/>
+          </a:xfrm>
+          <a:prstGeom prst="rect">
+            <a:avLst/>
+          </a:prstGeom>
+        </p:spPr>
+        <p:txBody>
+          <a:bodyPr vert="horz" lIns="91440" tIns="45720" rIns="91440" bIns="45720" rtlCol="0"/>
+          <a:lstStyle>
+            <a:lvl1pPr algn="l">
+              <a:defRPr sz="1200"/>
+            </a:lvl1pPr>
+          </a:lstStyle>
+          <a:p>
+            <a:endParaRPr lang="en-US"/>
+          </a:p>
+        </p:txBody>
+      </p:sp>
+      <p:sp>
+        <p:nvSpPr>
+          <p:cNvPr id="3" name="Date Placeholder 2"/>
+          <p:cNvSpPr>
+            <a:spLocks noGrp="1"/>
+          </p:cNvSpPr>
+          <p:nvPr>
+            <p:ph type="dt" idx="1"/>
+          </p:nvPr>
+        </p:nvSpPr>
+        <p:spPr>
+          <a:xfrm>
+            <a:off x="3884613" y="0"/>
+            <a:ext cx="2971800" cy="458788"/>
+          </a:xfrm>
+          <a:prstGeom prst="rect">
+            <a:avLst/>
+          </a:prstGeom>
+        </p:spPr>
+        <p:txBody>
+          <a:bodyPr vert="horz" lIns="91440" tIns="45720" rIns="91440" bIns="45720" rtlCol="0"/>
+          <a:lstStyle>
+            <a:lvl1pPr algn="r">
+              <a:defRPr sz="1200"/>
+            </a:lvl1pPr>
+          </a:lstStyle>
+          <a:p>
+            <a:fld id="{347007FB-29EE-4B83-A327-60ACABEBF1B7}" type="datetimeFigureOut">
+              <a:rPr lang="en-US" smtClean="0"/>
+              <a:t>11/9/2022</a:t>
+            </a:fld>
+            <a:endParaRPr lang="en-US"/>
+          </a:p>
+        </p:txBody>
+      </p:sp>
+      <p:sp>
+        <p:nvSpPr>
+          <p:cNvPr id="4" name="Slide Image Placeholder 3"/>
+          <p:cNvSpPr>
+            <a:spLocks noGrp="1" noRot="1" noChangeAspect="1"/>
+          </p:cNvSpPr>
+          <p:nvPr>
+            <p:ph type="sldImg" idx="2"/>
+          </p:nvPr>
+        </p:nvSpPr>
+        <p:spPr>
+          <a:xfrm>
+            <a:off x="685800" y="1143000"/>
+            <a:ext cx="5486400" cy="3086100"/>
+          </a:xfrm>
+          <a:prstGeom prst="rect">
+            <a:avLst/>
+          </a:prstGeom>
+          <a:noFill/>
+          <a:ln w="12700">
+            <a:solidFill>
+              <a:prstClr val="black"/>
+            </a:solidFill>
+          </a:ln>
+        </p:spPr>
+        <p:txBody>
+          <a:bodyPr vert="horz" lIns="91440" tIns="45720" rIns="91440" bIns="45720" rtlCol="0" anchor="ctr"/>
+          <a:lstStyle/>
+          <a:p>
+            <a:endParaRPr lang="en-US"/>
+          </a:p>
+        </p:txBody>
+      </p:sp>
+      <p:sp>
+        <p:nvSpPr>
+          <p:cNvPr id="5" name="Notes Placeholder 4"/>
+          <p:cNvSpPr>
+            <a:spLocks noGrp="1"/>
+          </p:cNvSpPr>
+          <p:nvPr>
+            <p:ph type="body" sz="quarter" idx="3"/>
+          </p:nvPr>
+        </p:nvSpPr>
+        <p:spPr>
+          <a:xfrm>
+            <a:off x="685800" y="4400550"/>
+            <a:ext cx="5486400" cy="3600450"/>
+          </a:xfrm>
+          <a:prstGeom prst="rect">
+            <a:avLst/>
+          </a:prstGeom>
+        </p:spPr>
+        <p:txBody>
+          <a:bodyPr vert="horz" lIns="91440" tIns="45720" rIns="91440" bIns="45720" rtlCol="0"/>
+          <a:lstStyle/>
+          <a:p>
+            <a:pPr lvl="0"/>
+            <a:r>
+              <a:rPr lang="en-US"/>
+              <a:t>Click to edit Master text styles</a:t>
+            </a:r>
+          </a:p>
+          <a:p>
+            <a:pPr lvl="1"/>
+            <a:r>
+              <a:rPr lang="en-US"/>
+              <a:t>Second level</a:t>
+            </a:r>
+          </a:p>
+          <a:p>
+            <a:pPr lvl="2"/>
+            <a:r>
+              <a:rPr lang="en-US"/>
+              <a:t>Third level</a:t>
+            </a:r>
+          </a:p>
+          <a:p>
+            <a:pPr lvl="3"/>
+            <a:r>
+              <a:rPr lang="en-US"/>
+              <a:t>Fourth level</a:t>
+            </a:r>
+          </a:p>
+          <a:p>
+            <a:pPr lvl="4"/>
+            <a:r>
+              <a:rPr lang="en-US"/>
+              <a:t>Fifth level</a:t>
+            </a:r>
+          </a:p>
+        </p:txBody>
+      </p:sp>
+      <p:sp>
+        <p:nvSpPr>
+          <p:cNvPr id="6" name="Footer Placeholder 5"/>
+          <p:cNvSpPr>
+            <a:spLocks noGrp="1"/>
+          </p:cNvSpPr>
+          <p:nvPr>
+            <p:ph type="ftr" sz="quarter" idx="4"/>
+          </p:nvPr>
+        </p:nvSpPr>
+        <p:spPr>
+          <a:xfrm>
+            <a:off x="0" y="8685213"/>
+            <a:ext cx="2971800" cy="458787"/>
+          </a:xfrm>
+          <a:prstGeom prst="rect">
+            <a:avLst/>
+          </a:prstGeom>
+        </p:spPr>
+        <p:txBody>
+          <a:bodyPr vert="horz" lIns="91440" tIns="45720" rIns="91440" bIns="45720" rtlCol="0" anchor="b"/>
+          <a:lstStyle>
+            <a:lvl1pPr algn="l">
+              <a:defRPr sz="1200"/>
+            </a:lvl1pPr>
+          </a:lstStyle>
+          <a:p>
+            <a:endParaRPr lang="en-US"/>
+          </a:p>
+        </p:txBody>
+      </p:sp>
+      <p:sp>
+        <p:nvSpPr>
+          <p:cNvPr id="7" name="Slide Number Placeholder 6"/>
+          <p:cNvSpPr>
+            <a:spLocks noGrp="1"/>
+          </p:cNvSpPr>
+          <p:nvPr>
+            <p:ph type="sldNum" sz="quarter" idx="5"/>
+          </p:nvPr>
+        </p:nvSpPr>
+        <p:spPr>
+          <a:xfrm>
+            <a:off x="3884613" y="8685213"/>
+            <a:ext cx="2971800" cy="458787"/>
+          </a:xfrm>
+          <a:prstGeom prst="rect">
+            <a:avLst/>
+          </a:prstGeom>
+        </p:spPr>
+        <p:txBody>
+          <a:bodyPr vert="horz" lIns="91440" tIns="45720" rIns="91440" bIns="45720" rtlCol="0" anchor="b"/>
+          <a:lstStyle>
+            <a:lvl1pPr algn="r">
+              <a:defRPr sz="1200"/>
+            </a:lvl1pPr>
+          </a:lstStyle>
+          <a:p>
+            <a:fld id="{26999B72-7BF5-4270-BEFE-12468A903FCC}" type="slidenum">
+              <a:rPr lang="en-US" smtClean="0"/>
+              <a:t>‹#›</a:t>
+            </a:fld>
+            <a:endParaRPr lang="en-US"/>
+          </a:p>
+        </p:txBody>
+      </p:sp>
+    </p:spTree>
+    <p:extLst>
+      <p:ext uri="{BB962C8B-B14F-4D97-AF65-F5344CB8AC3E}">
+        <p14:creationId xmlns:p14="http://schemas.microsoft.com/office/powerpoint/2010/main" val="1777146568"/>
+      </p:ext>
+    </p:extLst>
+  </p:cSld>
+  <p:clrMap bg1="lt1" tx1="dk1" bg2="lt2" tx2="dk2" accent1="accent1" accent2="accent2" accent3="accent3" accent4="accent4" accent5="accent5" accent6="accent6" hlink="hlink" folHlink="folHlink"/>
+  <p:notesStyle>
+    <a:lvl1pPr marL="0" algn="l" defTabSz="914400" rtl="0" eaLnBrk="1" latinLnBrk="0" hangingPunct="1">
+      <a:defRPr sz="1200" kern="1200">
+        <a:solidFill>
+          <a:schemeClr val="tx1"/>
+        </a:solidFill>
+        <a:latin typeface="+mn-lt"/>
+        <a:ea typeface="+mn-ea"/>
+        <a:cs typeface="+mn-cs"/>
+      </a:defRPr>
+    </a:lvl1pPr>
+    <a:lvl2pPr marL="457200" algn="l" defTabSz="914400" rtl="0" eaLnBrk="1" latinLnBrk="0" hangingPunct="1">
+      <a:defRPr sz="1200" kern="1200">
+        <a:solidFill>
+          <a:schemeClr val="tx1"/>
+        </a:solidFill>
+        <a:latin typeface="+mn-lt"/>
+        <a:ea typeface="+mn-ea"/>
+        <a:cs typeface="+mn-cs"/>
+      </a:defRPr>
+    </a:lvl2pPr>
+    <a:lvl3pPr marL="914400" algn="l" defTabSz="914400" rtl="0" eaLnBrk="1" latinLnBrk="0" hangingPunct="1">
+      <a:defRPr sz="1200" kern="1200">
+        <a:solidFill>
+          <a:schemeClr val="tx1"/>
+        </a:solidFill>
+        <a:latin typeface="+mn-lt"/>
+        <a:ea typeface="+mn-ea"/>
+        <a:cs typeface="+mn-cs"/>
+      </a:defRPr>
+    </a:lvl3pPr>
+    <a:lvl4pPr marL="1371600" algn="l" defTabSz="914400" rtl="0" eaLnBrk="1" latinLnBrk="0" hangingPunct="1">
+      <a:defRPr sz="1200" kern="1200">
+        <a:solidFill>
+          <a:schemeClr val="tx1"/>
+        </a:solidFill>
+        <a:latin typeface="+mn-lt"/>
+        <a:ea typeface="+mn-ea"/>
+        <a:cs typeface="+mn-cs"/>
+      </a:defRPr>
+    </a:lvl4pPr>
+    <a:lvl5pPr marL="1828800" algn="l" defTabSz="914400" rtl="0" eaLnBrk="1" latinLnBrk="0" hangingPunct="1">
+      <a:defRPr sz="1200" kern="1200">
+        <a:solidFill>
+          <a:schemeClr val="tx1"/>
+        </a:solidFill>
+        <a:latin typeface="+mn-lt"/>
+        <a:ea typeface="+mn-ea"/>
+        <a:cs typeface="+mn-cs"/>
+      </a:defRPr>
+    </a:lvl5pPr>
+    <a:lvl6pPr marL="2286000" algn="l" defTabSz="914400" rtl="0" eaLnBrk="1" latinLnBrk="0" hangingPunct="1">
+      <a:defRPr sz="1200" kern="1200">
+        <a:solidFill>
+          <a:schemeClr val="tx1"/>
+        </a:solidFill>
+        <a:latin typeface="+mn-lt"/>
+        <a:ea typeface="+mn-ea"/>
+        <a:cs typeface="+mn-cs"/>
+      </a:defRPr>
+    </a:lvl6pPr>
+    <a:lvl7pPr marL="2743200" algn="l" defTabSz="914400" rtl="0" eaLnBrk="1" latinLnBrk="0" hangingPunct="1">
+      <a:defRPr sz="1200" kern="1200">
+        <a:solidFill>
+          <a:schemeClr val="tx1"/>
+        </a:solidFill>
+        <a:latin typeface="+mn-lt"/>
+        <a:ea typeface="+mn-ea"/>
+        <a:cs typeface="+mn-cs"/>
+      </a:defRPr>
+    </a:lvl7pPr>
+    <a:lvl8pPr marL="3200400" algn="l" defTabSz="914400" rtl="0" eaLnBrk="1" latinLnBrk="0" hangingPunct="1">
+      <a:defRPr sz="1200" kern="1200">
+        <a:solidFill>
+          <a:schemeClr val="tx1"/>
+        </a:solidFill>
+        <a:latin typeface="+mn-lt"/>
+        <a:ea typeface="+mn-ea"/>
+        <a:cs typeface="+mn-cs"/>
+      </a:defRPr>
+    </a:lvl8pPr>
+    <a:lvl9pPr marL="3657600" algn="l" defTabSz="914400" rtl="0" eaLnBrk="1" latinLnBrk="0" hangingPunct="1">
+      <a:defRPr sz="1200" kern="1200">
+        <a:solidFill>
+          <a:schemeClr val="tx1"/>
+        </a:solidFill>
+        <a:latin typeface="+mn-lt"/>
+        <a:ea typeface="+mn-ea"/>
+        <a:cs typeface="+mn-cs"/>
+      </a:defRPr>
+    </a:lvl9pPr>
+  </p:notesStyle>
+</p:notesMaster>
+</file>
+
+<file path=ppt/notesSlides/notesSlide1.xml><?xml version="1.0" encoding="utf-8"?>
+<p:notes xmlns:a="http://schemas.openxmlformats.org/drawingml/2006/main" xmlns:r="http://schemas.openxmlformats.org/officeDocument/2006/relationships" xmlns:p="http://schemas.openxmlformats.org/presentationml/2006/main">
+  <p:cSld>
+    <p:spTree>
+      <p:nvGrpSpPr>
+        <p:cNvPr id="1" name=""/>
+        <p:cNvGrpSpPr/>
+        <p:nvPr/>
+      </p:nvGrpSpPr>
+      <p:grpSpPr>
+        <a:xfrm>
+          <a:off x="0" y="0"/>
+          <a:ext cx="0" cy="0"/>
+          <a:chOff x="0" y="0"/>
+          <a:chExt cx="0" cy="0"/>
+        </a:xfrm>
+      </p:grpSpPr>
+      <p:sp>
+        <p:nvSpPr>
+          <p:cNvPr id="2" name="Slide Image Placeholder 1"/>
+          <p:cNvSpPr>
+            <a:spLocks noGrp="1" noRot="1" noChangeAspect="1"/>
+          </p:cNvSpPr>
+          <p:nvPr>
+            <p:ph type="sldImg"/>
+          </p:nvPr>
+        </p:nvSpPr>
+        <p:spPr/>
+      </p:sp>
+      <p:sp>
+        <p:nvSpPr>
+          <p:cNvPr id="3" name="Notes Placeholder 2"/>
+          <p:cNvSpPr>
+            <a:spLocks noGrp="1"/>
+          </p:cNvSpPr>
+          <p:nvPr>
+            <p:ph type="body" idx="1"/>
+          </p:nvPr>
+        </p:nvSpPr>
+        <p:spPr/>
+        <p:txBody>
+          <a:bodyPr/>
+          <a:lstStyle/>
+          <a:p>
+            <a:r>
+              <a:rPr lang="en-US" dirty="0"/>
+              <a:t>Notes check </a:t>
+            </a:r>
+          </a:p>
+        </p:txBody>
+      </p:sp>
+      <p:sp>
+        <p:nvSpPr>
+          <p:cNvPr id="4" name="Slide Number Placeholder 3"/>
+          <p:cNvSpPr>
+            <a:spLocks noGrp="1"/>
+          </p:cNvSpPr>
+          <p:nvPr>
+            <p:ph type="sldNum" sz="quarter" idx="5"/>
+          </p:nvPr>
+        </p:nvSpPr>
+        <p:spPr/>
+        <p:txBody>
+          <a:bodyPr/>
+          <a:lstStyle/>
+          <a:p>
+            <a:fld id="{26999B72-7BF5-4270-BEFE-12468A903FCC}" type="slidenum">
+              <a:rPr lang="en-US" smtClean="0"/>
+              <a:t>1</a:t>
+            </a:fld>
+            <a:endParaRPr lang="en-US"/>
+          </a:p>
+        </p:txBody>
+      </p:sp>
+    </p:spTree>
+    <p:extLst>
+      <p:ext uri="{BB962C8B-B14F-4D97-AF65-F5344CB8AC3E}">
+        <p14:creationId xmlns:p14="http://schemas.microsoft.com/office/powerpoint/2010/main" val="2573488121"/>
+      </p:ext>
+    </p:extLst>
+  </p:cSld>
+  <p:clrMapOvr>
+    <a:masterClrMapping/>
+  </p:clrMapOvr>
+</p:notes>
+</file>
+
+<file path=ppt/notesSlides/notesSlide10.xml><?xml version="1.0" encoding="utf-8"?>
+<p:notes xmlns:a="http://schemas.openxmlformats.org/drawingml/2006/main" xmlns:r="http://schemas.openxmlformats.org/officeDocument/2006/relationships" xmlns:p="http://schemas.openxmlformats.org/presentationml/2006/main">
+  <p:cSld>
+    <p:spTree>
+      <p:nvGrpSpPr>
+        <p:cNvPr id="1" name=""/>
+        <p:cNvGrpSpPr/>
+        <p:nvPr/>
+      </p:nvGrpSpPr>
+      <p:grpSpPr>
+        <a:xfrm>
+          <a:off x="0" y="0"/>
+          <a:ext cx="0" cy="0"/>
+          <a:chOff x="0" y="0"/>
+          <a:chExt cx="0" cy="0"/>
+        </a:xfrm>
+      </p:grpSpPr>
+      <p:sp>
+        <p:nvSpPr>
+          <p:cNvPr id="2" name="Slide Image Placeholder 1"/>
+          <p:cNvSpPr>
+            <a:spLocks noGrp="1" noRot="1" noChangeAspect="1"/>
+          </p:cNvSpPr>
+          <p:nvPr>
+            <p:ph type="sldImg"/>
+          </p:nvPr>
+        </p:nvSpPr>
+        <p:spPr/>
+      </p:sp>
+      <p:sp>
+        <p:nvSpPr>
+          <p:cNvPr id="3" name="Notes Placeholder 2"/>
+          <p:cNvSpPr>
+            <a:spLocks noGrp="1"/>
+          </p:cNvSpPr>
+          <p:nvPr>
+            <p:ph type="body" idx="1"/>
+          </p:nvPr>
+        </p:nvSpPr>
+        <p:spPr/>
+        <p:txBody>
+          <a:bodyPr/>
+          <a:lstStyle/>
+          <a:p>
+            <a:pPr marL="171450" indent="-171450">
+              <a:buFont typeface="Arial" panose="020B0604020202020204" pitchFamily="34" charset="0"/>
+              <a:buChar char="•"/>
+            </a:pPr>
+            <a:r>
+              <a:rPr lang="en-US" dirty="0"/>
+              <a:t>Ask </a:t>
+            </a:r>
+            <a:r>
+              <a:rPr lang="en-US" dirty="0" err="1"/>
+              <a:t>Rehma</a:t>
+            </a:r>
+            <a:r>
+              <a:rPr lang="en-US" dirty="0"/>
+              <a:t> to go through this slide</a:t>
+            </a:r>
+          </a:p>
+          <a:p>
+            <a:pPr marL="171450" indent="-171450">
+              <a:buFont typeface="Arial" panose="020B0604020202020204" pitchFamily="34" charset="0"/>
+              <a:buChar char="•"/>
+            </a:pPr>
+            <a:endParaRPr lang="en-US" dirty="0"/>
+          </a:p>
+        </p:txBody>
+      </p:sp>
+      <p:sp>
+        <p:nvSpPr>
+          <p:cNvPr id="4" name="Slide Number Placeholder 3"/>
+          <p:cNvSpPr>
+            <a:spLocks noGrp="1"/>
+          </p:cNvSpPr>
+          <p:nvPr>
+            <p:ph type="sldNum" sz="quarter" idx="5"/>
+          </p:nvPr>
+        </p:nvSpPr>
+        <p:spPr/>
+        <p:txBody>
+          <a:bodyPr/>
+          <a:lstStyle/>
+          <a:p>
+            <a:fld id="{26999B72-7BF5-4270-BEFE-12468A903FCC}" type="slidenum">
+              <a:rPr lang="en-US" smtClean="0"/>
+              <a:t>10</a:t>
+            </a:fld>
+            <a:endParaRPr lang="en-US"/>
+          </a:p>
+        </p:txBody>
+      </p:sp>
+    </p:spTree>
+    <p:extLst>
+      <p:ext uri="{BB962C8B-B14F-4D97-AF65-F5344CB8AC3E}">
+        <p14:creationId xmlns:p14="http://schemas.microsoft.com/office/powerpoint/2010/main" val="774288580"/>
+      </p:ext>
+    </p:extLst>
+  </p:cSld>
+  <p:clrMapOvr>
+    <a:masterClrMapping/>
+  </p:clrMapOvr>
+</p:notes>
+</file>
+
+<file path=ppt/notesSlides/notesSlide11.xml><?xml version="1.0" encoding="utf-8"?>
+<p:notes xmlns:a="http://schemas.openxmlformats.org/drawingml/2006/main" xmlns:r="http://schemas.openxmlformats.org/officeDocument/2006/relationships" xmlns:p="http://schemas.openxmlformats.org/presentationml/2006/main">
+  <p:cSld>
+    <p:spTree>
+      <p:nvGrpSpPr>
+        <p:cNvPr id="1" name=""/>
+        <p:cNvGrpSpPr/>
+        <p:nvPr/>
+      </p:nvGrpSpPr>
+      <p:grpSpPr>
+        <a:xfrm>
+          <a:off x="0" y="0"/>
+          <a:ext cx="0" cy="0"/>
+          <a:chOff x="0" y="0"/>
+          <a:chExt cx="0" cy="0"/>
+        </a:xfrm>
+      </p:grpSpPr>
+      <p:sp>
+        <p:nvSpPr>
+          <p:cNvPr id="2" name="Slide Image Placeholder 1"/>
+          <p:cNvSpPr>
+            <a:spLocks noGrp="1" noRot="1" noChangeAspect="1"/>
+          </p:cNvSpPr>
+          <p:nvPr>
+            <p:ph type="sldImg"/>
+          </p:nvPr>
+        </p:nvSpPr>
+        <p:spPr/>
+      </p:sp>
+      <p:sp>
+        <p:nvSpPr>
+          <p:cNvPr id="3" name="Notes Placeholder 2"/>
+          <p:cNvSpPr>
+            <a:spLocks noGrp="1"/>
+          </p:cNvSpPr>
+          <p:nvPr>
+            <p:ph type="body" idx="1"/>
+          </p:nvPr>
+        </p:nvSpPr>
+        <p:spPr/>
+        <p:txBody>
+          <a:bodyPr/>
+          <a:lstStyle/>
+          <a:p>
+            <a:pPr marL="171450" indent="-171450">
+              <a:buFont typeface="Arial" panose="020B0604020202020204" pitchFamily="34" charset="0"/>
+              <a:buChar char="•"/>
+            </a:pPr>
+            <a:r>
+              <a:rPr lang="en-US" dirty="0"/>
+              <a:t>Ask </a:t>
+            </a:r>
+            <a:r>
+              <a:rPr lang="en-US" dirty="0" err="1"/>
+              <a:t>Rehma</a:t>
+            </a:r>
+            <a:r>
+              <a:rPr lang="en-US" dirty="0"/>
+              <a:t> to cover this slide</a:t>
+            </a:r>
+          </a:p>
+          <a:p>
+            <a:pPr marL="171450" indent="-171450">
+              <a:buFont typeface="Arial" panose="020B0604020202020204" pitchFamily="34" charset="0"/>
+              <a:buChar char="•"/>
+            </a:pPr>
+            <a:endParaRPr lang="en-US" dirty="0"/>
+          </a:p>
+        </p:txBody>
+      </p:sp>
+      <p:sp>
+        <p:nvSpPr>
+          <p:cNvPr id="4" name="Slide Number Placeholder 3"/>
+          <p:cNvSpPr>
+            <a:spLocks noGrp="1"/>
+          </p:cNvSpPr>
+          <p:nvPr>
+            <p:ph type="sldNum" sz="quarter" idx="5"/>
+          </p:nvPr>
+        </p:nvSpPr>
+        <p:spPr/>
+        <p:txBody>
+          <a:bodyPr/>
+          <a:lstStyle/>
+          <a:p>
+            <a:fld id="{26999B72-7BF5-4270-BEFE-12468A903FCC}" type="slidenum">
+              <a:rPr lang="en-US" smtClean="0"/>
+              <a:t>11</a:t>
+            </a:fld>
+            <a:endParaRPr lang="en-US"/>
+          </a:p>
+        </p:txBody>
+      </p:sp>
+    </p:spTree>
+    <p:extLst>
+      <p:ext uri="{BB962C8B-B14F-4D97-AF65-F5344CB8AC3E}">
+        <p14:creationId xmlns:p14="http://schemas.microsoft.com/office/powerpoint/2010/main" val="1441696590"/>
+      </p:ext>
+    </p:extLst>
+  </p:cSld>
+  <p:clrMapOvr>
+    <a:masterClrMapping/>
+  </p:clrMapOvr>
+</p:notes>
+</file>
+
+<file path=ppt/notesSlides/notesSlide12.xml><?xml version="1.0" encoding="utf-8"?>
+<p:notes xmlns:a="http://schemas.openxmlformats.org/drawingml/2006/main" xmlns:r="http://schemas.openxmlformats.org/officeDocument/2006/relationships" xmlns:p="http://schemas.openxmlformats.org/presentationml/2006/main">
+  <p:cSld>
+    <p:spTree>
+      <p:nvGrpSpPr>
+        <p:cNvPr id="1" name=""/>
+        <p:cNvGrpSpPr/>
+        <p:nvPr/>
+      </p:nvGrpSpPr>
+      <p:grpSpPr>
+        <a:xfrm>
+          <a:off x="0" y="0"/>
+          <a:ext cx="0" cy="0"/>
+          <a:chOff x="0" y="0"/>
+          <a:chExt cx="0" cy="0"/>
+        </a:xfrm>
+      </p:grpSpPr>
+      <p:sp>
+        <p:nvSpPr>
+          <p:cNvPr id="2" name="Slide Image Placeholder 1"/>
+          <p:cNvSpPr>
+            <a:spLocks noGrp="1" noRot="1" noChangeAspect="1"/>
+          </p:cNvSpPr>
+          <p:nvPr>
+            <p:ph type="sldImg"/>
+          </p:nvPr>
+        </p:nvSpPr>
+        <p:spPr/>
+      </p:sp>
+      <p:sp>
+        <p:nvSpPr>
+          <p:cNvPr id="3" name="Notes Placeholder 2"/>
+          <p:cNvSpPr>
+            <a:spLocks noGrp="1"/>
+          </p:cNvSpPr>
+          <p:nvPr>
+            <p:ph type="body" idx="1"/>
+          </p:nvPr>
+        </p:nvSpPr>
+        <p:spPr/>
+        <p:txBody>
+          <a:bodyPr/>
+          <a:lstStyle/>
+          <a:p>
+            <a:pPr marL="171450" indent="-171450">
+              <a:buFont typeface="Arial" panose="020B0604020202020204" pitchFamily="34" charset="0"/>
+              <a:buChar char="•"/>
+            </a:pPr>
+            <a:r>
+              <a:rPr lang="en-US" dirty="0"/>
+              <a:t>Ask </a:t>
+            </a:r>
+            <a:r>
+              <a:rPr lang="en-US" dirty="0" err="1"/>
+              <a:t>Rehma</a:t>
+            </a:r>
+            <a:r>
+              <a:rPr lang="en-US" dirty="0"/>
+              <a:t> to cover this slide</a:t>
+            </a:r>
+          </a:p>
+          <a:p>
+            <a:pPr marL="171450" indent="-171450">
+              <a:buFont typeface="Arial" panose="020B0604020202020204" pitchFamily="34" charset="0"/>
+              <a:buChar char="•"/>
+            </a:pPr>
+            <a:endParaRPr lang="en-US" dirty="0"/>
+          </a:p>
+        </p:txBody>
+      </p:sp>
+      <p:sp>
+        <p:nvSpPr>
+          <p:cNvPr id="4" name="Slide Number Placeholder 3"/>
+          <p:cNvSpPr>
+            <a:spLocks noGrp="1"/>
+          </p:cNvSpPr>
+          <p:nvPr>
+            <p:ph type="sldNum" sz="quarter" idx="5"/>
+          </p:nvPr>
+        </p:nvSpPr>
+        <p:spPr/>
+        <p:txBody>
+          <a:bodyPr/>
+          <a:lstStyle/>
+          <a:p>
+            <a:fld id="{26999B72-7BF5-4270-BEFE-12468A903FCC}" type="slidenum">
+              <a:rPr lang="en-US" smtClean="0"/>
+              <a:t>12</a:t>
+            </a:fld>
+            <a:endParaRPr lang="en-US"/>
+          </a:p>
+        </p:txBody>
+      </p:sp>
+    </p:spTree>
+    <p:extLst>
+      <p:ext uri="{BB962C8B-B14F-4D97-AF65-F5344CB8AC3E}">
+        <p14:creationId xmlns:p14="http://schemas.microsoft.com/office/powerpoint/2010/main" val="3197856635"/>
+      </p:ext>
+    </p:extLst>
+  </p:cSld>
+  <p:clrMapOvr>
+    <a:masterClrMapping/>
+  </p:clrMapOvr>
+</p:notes>
+</file>
+
+<file path=ppt/notesSlides/notesSlide13.xml><?xml version="1.0" encoding="utf-8"?>
+<p:notes xmlns:a="http://schemas.openxmlformats.org/drawingml/2006/main" xmlns:r="http://schemas.openxmlformats.org/officeDocument/2006/relationships" xmlns:p="http://schemas.openxmlformats.org/presentationml/2006/main">
+  <p:cSld>
+    <p:spTree>
+      <p:nvGrpSpPr>
+        <p:cNvPr id="1" name=""/>
+        <p:cNvGrpSpPr/>
+        <p:nvPr/>
+      </p:nvGrpSpPr>
+      <p:grpSpPr>
+        <a:xfrm>
+          <a:off x="0" y="0"/>
+          <a:ext cx="0" cy="0"/>
+          <a:chOff x="0" y="0"/>
+          <a:chExt cx="0" cy="0"/>
+        </a:xfrm>
+      </p:grpSpPr>
+      <p:sp>
+        <p:nvSpPr>
+          <p:cNvPr id="2" name="Slide Image Placeholder 1"/>
+          <p:cNvSpPr>
+            <a:spLocks noGrp="1" noRot="1" noChangeAspect="1"/>
+          </p:cNvSpPr>
+          <p:nvPr>
+            <p:ph type="sldImg"/>
+          </p:nvPr>
+        </p:nvSpPr>
+        <p:spPr/>
+      </p:sp>
+      <p:sp>
+        <p:nvSpPr>
+          <p:cNvPr id="3" name="Notes Placeholder 2"/>
+          <p:cNvSpPr>
+            <a:spLocks noGrp="1"/>
+          </p:cNvSpPr>
+          <p:nvPr>
+            <p:ph type="body" idx="1"/>
+          </p:nvPr>
+        </p:nvSpPr>
+        <p:spPr/>
+        <p:txBody>
+          <a:bodyPr/>
+          <a:lstStyle/>
+          <a:p>
+            <a:pPr marL="171450" indent="-171450">
+              <a:buFont typeface="Arial" panose="020B0604020202020204" pitchFamily="34" charset="0"/>
+              <a:buChar char="•"/>
+            </a:pPr>
+            <a:r>
+              <a:rPr lang="en-US" dirty="0"/>
+              <a:t>In the array implementation, we hard coded the data – data was added to an array. The project at this point was a console application, where the user would input data based on the prompts shown on the console window using in memory data. Any new data inserted, updated or deleted would not persist and be cleared up at the end of the execution.</a:t>
+            </a:r>
+          </a:p>
+          <a:p>
+            <a:pPr marL="171450" indent="-171450">
+              <a:buFont typeface="Arial" panose="020B0604020202020204" pitchFamily="34" charset="0"/>
+              <a:buChar char="•"/>
+            </a:pPr>
+            <a:endParaRPr lang="en-US" dirty="0"/>
+          </a:p>
+          <a:p>
+            <a:pPr marL="171450" indent="-171450">
+              <a:buFont typeface="Arial" panose="020B0604020202020204" pitchFamily="34" charset="0"/>
+              <a:buChar char="•"/>
+            </a:pPr>
+            <a:r>
+              <a:rPr lang="en-US" dirty="0"/>
+              <a:t>In the DB implementation, rather than hard coding the data. A database, schema, and relations were created. Still working with a console application. However, any new data inserted or updated or deleted would persist.</a:t>
+            </a:r>
+          </a:p>
+          <a:p>
+            <a:pPr marL="171450" indent="-171450">
+              <a:buFont typeface="Arial" panose="020B0604020202020204" pitchFamily="34" charset="0"/>
+              <a:buChar char="•"/>
+            </a:pPr>
+            <a:endParaRPr lang="en-US" dirty="0"/>
+          </a:p>
+          <a:p>
+            <a:pPr marL="171450" indent="-171450">
+              <a:buFont typeface="Arial" panose="020B0604020202020204" pitchFamily="34" charset="0"/>
+              <a:buChar char="•"/>
+            </a:pPr>
+            <a:r>
+              <a:rPr lang="en-US" dirty="0"/>
+              <a:t>In the Rest implementation, we now started to created the APIs in order to make requests to specific endpoints to manipulate or access data from the database. At this point, we also added different layers such as the controller, service, and DAO layers for separation of concerns. Controller layer would handle API requests, Service layer would handle any business logic, and DAO layer would take care of the database access. We are also using dependency injection here using the @Autowire keyword.</a:t>
+            </a:r>
+          </a:p>
+          <a:p>
+            <a:pPr marL="171450" indent="-171450">
+              <a:buFont typeface="Arial" panose="020B0604020202020204" pitchFamily="34" charset="0"/>
+              <a:buChar char="•"/>
+            </a:pPr>
+            <a:endParaRPr lang="en-US" dirty="0"/>
+          </a:p>
+          <a:p>
+            <a:pPr marL="171450" indent="-171450">
+              <a:buFont typeface="Arial" panose="020B0604020202020204" pitchFamily="34" charset="0"/>
+              <a:buChar char="•"/>
+            </a:pPr>
+            <a:r>
+              <a:rPr lang="en-US" dirty="0"/>
+              <a:t>In the Rest + JDBC implementation, building on top of the REST APIs created – we added the JDBC framework to our spring project in order to declutter our DAO layer and let the JDBC take care of error handling. Furthermore, we get to avoid repetitive code. At this point, the DAO layer is cleaner and just handles access to the database. When using </a:t>
+            </a:r>
+          </a:p>
+          <a:p>
+            <a:pPr marL="171450" indent="-171450">
+              <a:buFont typeface="Arial" panose="020B0604020202020204" pitchFamily="34" charset="0"/>
+              <a:buChar char="•"/>
+            </a:pPr>
+            <a:endParaRPr lang="en-US" dirty="0"/>
+          </a:p>
+          <a:p>
+            <a:pPr marL="171450" indent="-171450">
+              <a:buFont typeface="Arial" panose="020B0604020202020204" pitchFamily="34" charset="0"/>
+              <a:buChar char="•"/>
+            </a:pPr>
+            <a:r>
+              <a:rPr lang="en-US" dirty="0"/>
+              <a:t>The next phase was to break apart the project into microservices and host each service separately but managed by one central server – The Eureka Server.</a:t>
+            </a:r>
+          </a:p>
+          <a:p>
+            <a:pPr marL="0" indent="0">
+              <a:buFont typeface="Arial" panose="020B0604020202020204" pitchFamily="34" charset="0"/>
+              <a:buNone/>
+            </a:pPr>
+            <a:r>
+              <a:rPr lang="en-US" dirty="0"/>
+              <a:t>By breaking apart the services, the whole system is not dependent on just one server so if there’s a failure that whole system won’t go down. It also makes it easier to identify the problem area and the responsible group. These are a few of the benefits of using microservices and spring server does a good job at supporting this feature.</a:t>
+            </a:r>
+          </a:p>
+          <a:p>
+            <a:pPr marL="0" indent="0">
+              <a:buFont typeface="Arial" panose="020B0604020202020204" pitchFamily="34" charset="0"/>
+              <a:buNone/>
+            </a:pPr>
+            <a:endParaRPr lang="en-US" dirty="0"/>
+          </a:p>
+          <a:p>
+            <a:pPr marL="171450" indent="-171450">
+              <a:buFont typeface="Arial" panose="020B0604020202020204" pitchFamily="34" charset="0"/>
+              <a:buChar char="•"/>
+            </a:pPr>
+            <a:r>
+              <a:rPr lang="en-US" dirty="0"/>
+              <a:t>Now moving towards the UI/UX portion, we first start with a pure html/</a:t>
+            </a:r>
+            <a:r>
+              <a:rPr lang="en-US" dirty="0" err="1"/>
+              <a:t>css</a:t>
+            </a:r>
+            <a:r>
+              <a:rPr lang="en-US" dirty="0"/>
+              <a:t> wireframe which allow us to have a first look at how we wanted the application to potentially work and the various dashboards that would be able available to the user.</a:t>
+            </a:r>
+          </a:p>
+          <a:p>
+            <a:pPr marL="171450" indent="-171450">
+              <a:buFont typeface="Arial" panose="020B0604020202020204" pitchFamily="34" charset="0"/>
+              <a:buChar char="•"/>
+            </a:pPr>
+            <a:endParaRPr lang="en-US" dirty="0"/>
+          </a:p>
+          <a:p>
+            <a:pPr marL="171450" indent="-171450">
+              <a:buFont typeface="Arial" panose="020B0604020202020204" pitchFamily="34" charset="0"/>
+              <a:buChar char="•"/>
+            </a:pPr>
+            <a:r>
+              <a:rPr lang="en-US" dirty="0"/>
+              <a:t>Next we created an angular client side project and start to add the look and field while at the same time adding the necessary components and helping features to create the complete </a:t>
+            </a:r>
+            <a:r>
+              <a:rPr lang="en-US" dirty="0" err="1"/>
+              <a:t>ui</a:t>
+            </a:r>
+            <a:r>
+              <a:rPr lang="en-US" dirty="0"/>
+              <a:t>/</a:t>
+            </a:r>
+            <a:r>
+              <a:rPr lang="en-US" dirty="0" err="1"/>
+              <a:t>ux</a:t>
+            </a:r>
+            <a:r>
+              <a:rPr lang="en-US" dirty="0"/>
+              <a:t> that I will demo at a later point.</a:t>
+            </a:r>
+          </a:p>
+          <a:p>
+            <a:pPr marL="171450" indent="-171450">
+              <a:buFont typeface="Arial" panose="020B0604020202020204" pitchFamily="34" charset="0"/>
+              <a:buChar char="•"/>
+            </a:pPr>
+            <a:endParaRPr lang="en-US" dirty="0"/>
+          </a:p>
+          <a:p>
+            <a:pPr marL="171450" indent="-171450">
+              <a:buFont typeface="Arial" panose="020B0604020202020204" pitchFamily="34" charset="0"/>
+              <a:buChar char="•"/>
+            </a:pPr>
+            <a:r>
+              <a:rPr lang="en-US" dirty="0"/>
+              <a:t>Next we separated out the login feature from the Java server and instead used </a:t>
+            </a:r>
+            <a:r>
+              <a:rPr lang="en-US" dirty="0" err="1"/>
+              <a:t>nodejs</a:t>
+            </a:r>
+            <a:r>
+              <a:rPr lang="en-US" dirty="0"/>
+              <a:t> + express to create the APIs necessary for the login while still accessing data from the MySQL database.</a:t>
+            </a:r>
+          </a:p>
+          <a:p>
+            <a:pPr marL="171450" indent="-171450">
+              <a:buFont typeface="Arial" panose="020B0604020202020204" pitchFamily="34" charset="0"/>
+              <a:buChar char="•"/>
+            </a:pPr>
+            <a:endParaRPr lang="en-US" dirty="0"/>
+          </a:p>
+          <a:p>
+            <a:pPr marL="171450" indent="-171450">
+              <a:buFont typeface="Arial" panose="020B0604020202020204" pitchFamily="34" charset="0"/>
+              <a:buChar char="•"/>
+            </a:pPr>
+            <a:r>
+              <a:rPr lang="en-US" dirty="0"/>
+              <a:t>Next rather than using the MySQL database for the login, we switched to using MongoDB and just configured the </a:t>
+            </a:r>
+            <a:r>
+              <a:rPr lang="en-US" dirty="0" err="1"/>
+              <a:t>nodejs</a:t>
+            </a:r>
+            <a:r>
+              <a:rPr lang="en-US" dirty="0"/>
+              <a:t> + express project to access the MongoDB database + collection. The benefits of this is that we make the login very lightweight and separate from the other resources from the backend. </a:t>
+            </a:r>
+          </a:p>
+          <a:p>
+            <a:pPr marL="171450" indent="-171450">
+              <a:buFont typeface="Arial" panose="020B0604020202020204" pitchFamily="34" charset="0"/>
+              <a:buChar char="•"/>
+            </a:pPr>
+            <a:endParaRPr lang="en-US" dirty="0"/>
+          </a:p>
+          <a:p>
+            <a:pPr marL="171450" indent="-171450">
+              <a:buFont typeface="Arial" panose="020B0604020202020204" pitchFamily="34" charset="0"/>
+              <a:buChar char="•"/>
+            </a:pPr>
+            <a:r>
+              <a:rPr lang="en-US" dirty="0"/>
+              <a:t>During the last few days of training, we worked on a sample REACT project and created a small employee dashboard and finally added a few Angular unit tests using Jasmine/Karma and a few Java unit tests using Junit.</a:t>
+            </a:r>
+          </a:p>
+          <a:p>
+            <a:pPr marL="171450" indent="-171450">
+              <a:buFont typeface="Arial" panose="020B0604020202020204" pitchFamily="34" charset="0"/>
+              <a:buChar char="•"/>
+            </a:pPr>
+            <a:endParaRPr lang="en-US" dirty="0"/>
+          </a:p>
+          <a:p>
+            <a:pPr marL="171450" indent="-171450">
+              <a:buFont typeface="Arial" panose="020B0604020202020204" pitchFamily="34" charset="0"/>
+              <a:buChar char="•"/>
+            </a:pPr>
+            <a:r>
+              <a:rPr lang="en-US" dirty="0"/>
+              <a:t>This was the complete journey.</a:t>
+            </a:r>
+          </a:p>
+          <a:p>
+            <a:pPr marL="171450" indent="-171450">
+              <a:buFont typeface="Arial" panose="020B0604020202020204" pitchFamily="34" charset="0"/>
+              <a:buChar char="•"/>
+            </a:pPr>
+            <a:endParaRPr lang="en-US" dirty="0"/>
+          </a:p>
+          <a:p>
+            <a:pPr marL="171450" indent="-171450">
+              <a:buFont typeface="Arial" panose="020B0604020202020204" pitchFamily="34" charset="0"/>
+              <a:buChar char="•"/>
+            </a:pPr>
+            <a:endParaRPr lang="en-US" dirty="0"/>
+          </a:p>
+        </p:txBody>
+      </p:sp>
+      <p:sp>
+        <p:nvSpPr>
+          <p:cNvPr id="4" name="Slide Number Placeholder 3"/>
+          <p:cNvSpPr>
+            <a:spLocks noGrp="1"/>
+          </p:cNvSpPr>
+          <p:nvPr>
+            <p:ph type="sldNum" sz="quarter" idx="5"/>
+          </p:nvPr>
+        </p:nvSpPr>
+        <p:spPr/>
+        <p:txBody>
+          <a:bodyPr/>
+          <a:lstStyle/>
+          <a:p>
+            <a:fld id="{26999B72-7BF5-4270-BEFE-12468A903FCC}" type="slidenum">
+              <a:rPr lang="en-US" smtClean="0"/>
+              <a:t>13</a:t>
+            </a:fld>
+            <a:endParaRPr lang="en-US"/>
+          </a:p>
+        </p:txBody>
+      </p:sp>
+    </p:spTree>
+    <p:extLst>
+      <p:ext uri="{BB962C8B-B14F-4D97-AF65-F5344CB8AC3E}">
+        <p14:creationId xmlns:p14="http://schemas.microsoft.com/office/powerpoint/2010/main" val="1877816170"/>
+      </p:ext>
+    </p:extLst>
+  </p:cSld>
+  <p:clrMapOvr>
+    <a:masterClrMapping/>
+  </p:clrMapOvr>
+</p:notes>
+</file>
+
+<file path=ppt/notesSlides/notesSlide14.xml><?xml version="1.0" encoding="utf-8"?>
+<p:notes xmlns:a="http://schemas.openxmlformats.org/drawingml/2006/main" xmlns:r="http://schemas.openxmlformats.org/officeDocument/2006/relationships" xmlns:p="http://schemas.openxmlformats.org/presentationml/2006/main">
+  <p:cSld>
+    <p:spTree>
+      <p:nvGrpSpPr>
+        <p:cNvPr id="1" name=""/>
+        <p:cNvGrpSpPr/>
+        <p:nvPr/>
+      </p:nvGrpSpPr>
+      <p:grpSpPr>
+        <a:xfrm>
+          <a:off x="0" y="0"/>
+          <a:ext cx="0" cy="0"/>
+          <a:chOff x="0" y="0"/>
+          <a:chExt cx="0" cy="0"/>
+        </a:xfrm>
+      </p:grpSpPr>
+      <p:sp>
+        <p:nvSpPr>
+          <p:cNvPr id="2" name="Slide Image Placeholder 1"/>
+          <p:cNvSpPr>
+            <a:spLocks noGrp="1" noRot="1" noChangeAspect="1"/>
+          </p:cNvSpPr>
+          <p:nvPr>
+            <p:ph type="sldImg"/>
+          </p:nvPr>
+        </p:nvSpPr>
+        <p:spPr/>
+      </p:sp>
+      <p:sp>
+        <p:nvSpPr>
+          <p:cNvPr id="3" name="Notes Placeholder 2"/>
+          <p:cNvSpPr>
+            <a:spLocks noGrp="1"/>
+          </p:cNvSpPr>
+          <p:nvPr>
+            <p:ph type="body" idx="1"/>
+          </p:nvPr>
+        </p:nvSpPr>
+        <p:spPr/>
+        <p:txBody>
+          <a:bodyPr/>
+          <a:lstStyle/>
+          <a:p>
+            <a:pPr marL="171450" indent="-171450">
+              <a:buFont typeface="Arial" panose="020B0604020202020204" pitchFamily="34" charset="0"/>
+              <a:buChar char="•"/>
+            </a:pPr>
+            <a:r>
+              <a:rPr lang="en-US" dirty="0"/>
+              <a:t>In hindsight, we mainly had issues with the configuration. If things were not properly configured, errors would come up but eventually after a debugging session with Amit we were able to hone-in on the issue.</a:t>
+            </a:r>
+          </a:p>
+          <a:p>
+            <a:pPr marL="171450" indent="-171450">
+              <a:buFont typeface="Arial" panose="020B0604020202020204" pitchFamily="34" charset="0"/>
+              <a:buChar char="•"/>
+            </a:pPr>
+            <a:r>
+              <a:rPr lang="en-US" dirty="0"/>
+              <a:t>Sometimes it was difficult to know where the team was in terms of understanding concepts and their assigned portions. Due to the time constraint with learning the material and keeping up with the speed of the tasks and projects, the solution was to continue forward and just make sure that everyone had access to the repository so that we would all be in the same page in terms of the progression of the project.</a:t>
+            </a:r>
+          </a:p>
+          <a:p>
+            <a:pPr marL="171450" indent="-171450">
+              <a:buFont typeface="Arial" panose="020B0604020202020204" pitchFamily="34" charset="0"/>
+              <a:buChar char="•"/>
+            </a:pPr>
+            <a:r>
+              <a:rPr lang="en-US" dirty="0"/>
+              <a:t>Sometimes the VM would very slow which would disrupt the progression of the work. Only way to solve this was to close all apps and restart the system. </a:t>
+            </a:r>
+          </a:p>
+        </p:txBody>
+      </p:sp>
+      <p:sp>
+        <p:nvSpPr>
+          <p:cNvPr id="4" name="Slide Number Placeholder 3"/>
+          <p:cNvSpPr>
+            <a:spLocks noGrp="1"/>
+          </p:cNvSpPr>
+          <p:nvPr>
+            <p:ph type="sldNum" sz="quarter" idx="5"/>
+          </p:nvPr>
+        </p:nvSpPr>
+        <p:spPr/>
+        <p:txBody>
+          <a:bodyPr/>
+          <a:lstStyle/>
+          <a:p>
+            <a:fld id="{26999B72-7BF5-4270-BEFE-12468A903FCC}" type="slidenum">
+              <a:rPr lang="en-US" smtClean="0"/>
+              <a:t>14</a:t>
+            </a:fld>
+            <a:endParaRPr lang="en-US"/>
+          </a:p>
+        </p:txBody>
+      </p:sp>
+    </p:spTree>
+    <p:extLst>
+      <p:ext uri="{BB962C8B-B14F-4D97-AF65-F5344CB8AC3E}">
+        <p14:creationId xmlns:p14="http://schemas.microsoft.com/office/powerpoint/2010/main" val="1744566670"/>
+      </p:ext>
+    </p:extLst>
+  </p:cSld>
+  <p:clrMapOvr>
+    <a:masterClrMapping/>
+  </p:clrMapOvr>
+</p:notes>
+</file>
+
+<file path=ppt/notesSlides/notesSlide15.xml><?xml version="1.0" encoding="utf-8"?>
+<p:notes xmlns:a="http://schemas.openxmlformats.org/drawingml/2006/main" xmlns:r="http://schemas.openxmlformats.org/officeDocument/2006/relationships" xmlns:p="http://schemas.openxmlformats.org/presentationml/2006/main">
+  <p:cSld>
+    <p:spTree>
+      <p:nvGrpSpPr>
+        <p:cNvPr id="1" name=""/>
+        <p:cNvGrpSpPr/>
+        <p:nvPr/>
+      </p:nvGrpSpPr>
+      <p:grpSpPr>
+        <a:xfrm>
+          <a:off x="0" y="0"/>
+          <a:ext cx="0" cy="0"/>
+          <a:chOff x="0" y="0"/>
+          <a:chExt cx="0" cy="0"/>
+        </a:xfrm>
+      </p:grpSpPr>
+      <p:sp>
+        <p:nvSpPr>
+          <p:cNvPr id="2" name="Slide Image Placeholder 1"/>
+          <p:cNvSpPr>
+            <a:spLocks noGrp="1" noRot="1" noChangeAspect="1"/>
+          </p:cNvSpPr>
+          <p:nvPr>
+            <p:ph type="sldImg"/>
+          </p:nvPr>
+        </p:nvSpPr>
+        <p:spPr/>
+      </p:sp>
+      <p:sp>
+        <p:nvSpPr>
+          <p:cNvPr id="3" name="Notes Placeholder 2"/>
+          <p:cNvSpPr>
+            <a:spLocks noGrp="1"/>
+          </p:cNvSpPr>
+          <p:nvPr>
+            <p:ph type="body" idx="1"/>
+          </p:nvPr>
+        </p:nvSpPr>
+        <p:spPr/>
+        <p:txBody>
+          <a:bodyPr/>
+          <a:lstStyle/>
+          <a:p>
+            <a:pPr marL="171450" indent="-171450">
+              <a:buFont typeface="Arial" panose="020B0604020202020204" pitchFamily="34" charset="0"/>
+              <a:buChar char="•"/>
+            </a:pPr>
+            <a:r>
+              <a:rPr lang="en-US" dirty="0"/>
+              <a:t>As shown here by the use case diagram the functions of the professor was to add grades and view enrolled students. The view enrolled students would also include a view of the courses. Moreover, the professor actions would depend on credential verification.</a:t>
+            </a:r>
+          </a:p>
+          <a:p>
+            <a:pPr marL="171450" indent="-171450">
+              <a:buFont typeface="Arial" panose="020B0604020202020204" pitchFamily="34" charset="0"/>
+              <a:buChar char="•"/>
+            </a:pPr>
+            <a:r>
+              <a:rPr lang="en-US" dirty="0"/>
+              <a:t>The functions of the admin was to generate a student report card, add professors, approve student registration, and add/remove courses. The admin actions depend on credential verification.</a:t>
+            </a:r>
+          </a:p>
+          <a:p>
+            <a:pPr marL="171450" indent="-171450">
+              <a:buFont typeface="Arial" panose="020B0604020202020204" pitchFamily="34" charset="0"/>
+              <a:buChar char="•"/>
+            </a:pPr>
+            <a:r>
+              <a:rPr lang="en-US" dirty="0"/>
+              <a:t>The functions of the student was to register for a course, add course, drop course, view grades, and make a payment. In order to add/register for a course, the system would check its availability stored in the course catalog. The student actions would also depend on credential verification. </a:t>
+            </a:r>
+          </a:p>
+        </p:txBody>
+      </p:sp>
+      <p:sp>
+        <p:nvSpPr>
+          <p:cNvPr id="4" name="Slide Number Placeholder 3"/>
+          <p:cNvSpPr>
+            <a:spLocks noGrp="1"/>
+          </p:cNvSpPr>
+          <p:nvPr>
+            <p:ph type="sldNum" sz="quarter" idx="5"/>
+          </p:nvPr>
+        </p:nvSpPr>
+        <p:spPr/>
+        <p:txBody>
+          <a:bodyPr/>
+          <a:lstStyle/>
+          <a:p>
+            <a:fld id="{26999B72-7BF5-4270-BEFE-12468A903FCC}" type="slidenum">
+              <a:rPr lang="en-US" smtClean="0"/>
+              <a:t>15</a:t>
+            </a:fld>
+            <a:endParaRPr lang="en-US"/>
+          </a:p>
+        </p:txBody>
+      </p:sp>
+    </p:spTree>
+    <p:extLst>
+      <p:ext uri="{BB962C8B-B14F-4D97-AF65-F5344CB8AC3E}">
+        <p14:creationId xmlns:p14="http://schemas.microsoft.com/office/powerpoint/2010/main" val="1574270023"/>
+      </p:ext>
+    </p:extLst>
+  </p:cSld>
+  <p:clrMapOvr>
+    <a:masterClrMapping/>
+  </p:clrMapOvr>
+</p:notes>
+</file>
+
+<file path=ppt/notesSlides/notesSlide16.xml><?xml version="1.0" encoding="utf-8"?>
+<p:notes xmlns:a="http://schemas.openxmlformats.org/drawingml/2006/main" xmlns:r="http://schemas.openxmlformats.org/officeDocument/2006/relationships" xmlns:p="http://schemas.openxmlformats.org/presentationml/2006/main">
+  <p:cSld>
+    <p:spTree>
+      <p:nvGrpSpPr>
+        <p:cNvPr id="1" name=""/>
+        <p:cNvGrpSpPr/>
+        <p:nvPr/>
+      </p:nvGrpSpPr>
+      <p:grpSpPr>
+        <a:xfrm>
+          <a:off x="0" y="0"/>
+          <a:ext cx="0" cy="0"/>
+          <a:chOff x="0" y="0"/>
+          <a:chExt cx="0" cy="0"/>
+        </a:xfrm>
+      </p:grpSpPr>
+      <p:sp>
+        <p:nvSpPr>
+          <p:cNvPr id="2" name="Slide Image Placeholder 1"/>
+          <p:cNvSpPr>
+            <a:spLocks noGrp="1" noRot="1" noChangeAspect="1"/>
+          </p:cNvSpPr>
+          <p:nvPr>
+            <p:ph type="sldImg"/>
+          </p:nvPr>
+        </p:nvSpPr>
+        <p:spPr/>
+      </p:sp>
+      <p:sp>
+        <p:nvSpPr>
+          <p:cNvPr id="3" name="Notes Placeholder 2"/>
+          <p:cNvSpPr>
+            <a:spLocks noGrp="1"/>
+          </p:cNvSpPr>
+          <p:nvPr>
+            <p:ph type="body" idx="1"/>
+          </p:nvPr>
+        </p:nvSpPr>
+        <p:spPr/>
+        <p:txBody>
+          <a:bodyPr/>
+          <a:lstStyle/>
+          <a:p>
+            <a:pPr marL="171450" indent="-171450">
+              <a:buFont typeface="Arial" panose="020B0604020202020204" pitchFamily="34" charset="0"/>
+              <a:buChar char="•"/>
+            </a:pPr>
+            <a:r>
+              <a:rPr lang="en-US" dirty="0"/>
+              <a:t>This is the link to our repository.</a:t>
+            </a:r>
+          </a:p>
+          <a:p>
+            <a:pPr marL="171450" indent="-171450">
+              <a:buFont typeface="Arial" panose="020B0604020202020204" pitchFamily="34" charset="0"/>
+              <a:buChar char="•"/>
+            </a:pPr>
+            <a:endParaRPr lang="en-US" dirty="0"/>
+          </a:p>
+        </p:txBody>
+      </p:sp>
+      <p:sp>
+        <p:nvSpPr>
+          <p:cNvPr id="4" name="Slide Number Placeholder 3"/>
+          <p:cNvSpPr>
+            <a:spLocks noGrp="1"/>
+          </p:cNvSpPr>
+          <p:nvPr>
+            <p:ph type="sldNum" sz="quarter" idx="5"/>
+          </p:nvPr>
+        </p:nvSpPr>
+        <p:spPr/>
+        <p:txBody>
+          <a:bodyPr/>
+          <a:lstStyle/>
+          <a:p>
+            <a:fld id="{26999B72-7BF5-4270-BEFE-12468A903FCC}" type="slidenum">
+              <a:rPr lang="en-US" smtClean="0"/>
+              <a:t>16</a:t>
+            </a:fld>
+            <a:endParaRPr lang="en-US"/>
+          </a:p>
+        </p:txBody>
+      </p:sp>
+    </p:spTree>
+    <p:extLst>
+      <p:ext uri="{BB962C8B-B14F-4D97-AF65-F5344CB8AC3E}">
+        <p14:creationId xmlns:p14="http://schemas.microsoft.com/office/powerpoint/2010/main" val="3737918991"/>
+      </p:ext>
+    </p:extLst>
+  </p:cSld>
+  <p:clrMapOvr>
+    <a:masterClrMapping/>
+  </p:clrMapOvr>
+</p:notes>
+</file>
+
+<file path=ppt/notesSlides/notesSlide17.xml><?xml version="1.0" encoding="utf-8"?>
+<p:notes xmlns:a="http://schemas.openxmlformats.org/drawingml/2006/main" xmlns:r="http://schemas.openxmlformats.org/officeDocument/2006/relationships" xmlns:p="http://schemas.openxmlformats.org/presentationml/2006/main">
+  <p:cSld>
+    <p:spTree>
+      <p:nvGrpSpPr>
+        <p:cNvPr id="1" name=""/>
+        <p:cNvGrpSpPr/>
+        <p:nvPr/>
+      </p:nvGrpSpPr>
+      <p:grpSpPr>
+        <a:xfrm>
+          <a:off x="0" y="0"/>
+          <a:ext cx="0" cy="0"/>
+          <a:chOff x="0" y="0"/>
+          <a:chExt cx="0" cy="0"/>
+        </a:xfrm>
+      </p:grpSpPr>
+      <p:sp>
+        <p:nvSpPr>
+          <p:cNvPr id="2" name="Slide Image Placeholder 1"/>
+          <p:cNvSpPr>
+            <a:spLocks noGrp="1" noRot="1" noChangeAspect="1"/>
+          </p:cNvSpPr>
+          <p:nvPr>
+            <p:ph type="sldImg"/>
+          </p:nvPr>
+        </p:nvSpPr>
+        <p:spPr/>
+      </p:sp>
+      <p:sp>
+        <p:nvSpPr>
+          <p:cNvPr id="3" name="Notes Placeholder 2"/>
+          <p:cNvSpPr>
+            <a:spLocks noGrp="1"/>
+          </p:cNvSpPr>
+          <p:nvPr>
+            <p:ph type="body" idx="1"/>
+          </p:nvPr>
+        </p:nvSpPr>
+        <p:spPr/>
+        <p:txBody>
+          <a:bodyPr/>
+          <a:lstStyle/>
+          <a:p>
+            <a:endParaRPr lang="en-US" dirty="0"/>
+          </a:p>
+        </p:txBody>
+      </p:sp>
+      <p:sp>
+        <p:nvSpPr>
+          <p:cNvPr id="4" name="Slide Number Placeholder 3"/>
+          <p:cNvSpPr>
+            <a:spLocks noGrp="1"/>
+          </p:cNvSpPr>
+          <p:nvPr>
+            <p:ph type="sldNum" sz="quarter" idx="5"/>
+          </p:nvPr>
+        </p:nvSpPr>
+        <p:spPr/>
+        <p:txBody>
+          <a:bodyPr/>
+          <a:lstStyle/>
+          <a:p>
+            <a:fld id="{26999B72-7BF5-4270-BEFE-12468A903FCC}" type="slidenum">
+              <a:rPr lang="en-US" smtClean="0"/>
+              <a:t>17</a:t>
+            </a:fld>
+            <a:endParaRPr lang="en-US"/>
+          </a:p>
+        </p:txBody>
+      </p:sp>
+    </p:spTree>
+    <p:extLst>
+      <p:ext uri="{BB962C8B-B14F-4D97-AF65-F5344CB8AC3E}">
+        <p14:creationId xmlns:p14="http://schemas.microsoft.com/office/powerpoint/2010/main" val="2709842062"/>
+      </p:ext>
+    </p:extLst>
+  </p:cSld>
+  <p:clrMapOvr>
+    <a:masterClrMapping/>
+  </p:clrMapOvr>
+</p:notes>
+</file>
+
+<file path=ppt/notesSlides/notesSlide2.xml><?xml version="1.0" encoding="utf-8"?>
+<p:notes xmlns:a="http://schemas.openxmlformats.org/drawingml/2006/main" xmlns:r="http://schemas.openxmlformats.org/officeDocument/2006/relationships" xmlns:p="http://schemas.openxmlformats.org/presentationml/2006/main">
+  <p:cSld>
+    <p:spTree>
+      <p:nvGrpSpPr>
+        <p:cNvPr id="1" name=""/>
+        <p:cNvGrpSpPr/>
+        <p:nvPr/>
+      </p:nvGrpSpPr>
+      <p:grpSpPr>
+        <a:xfrm>
+          <a:off x="0" y="0"/>
+          <a:ext cx="0" cy="0"/>
+          <a:chOff x="0" y="0"/>
+          <a:chExt cx="0" cy="0"/>
+        </a:xfrm>
+      </p:grpSpPr>
+      <p:sp>
+        <p:nvSpPr>
+          <p:cNvPr id="2" name="Slide Image Placeholder 1"/>
+          <p:cNvSpPr>
+            <a:spLocks noGrp="1" noRot="1" noChangeAspect="1"/>
+          </p:cNvSpPr>
+          <p:nvPr>
+            <p:ph type="sldImg"/>
+          </p:nvPr>
+        </p:nvSpPr>
+        <p:spPr/>
+      </p:sp>
+      <p:sp>
+        <p:nvSpPr>
+          <p:cNvPr id="3" name="Notes Placeholder 2"/>
+          <p:cNvSpPr>
+            <a:spLocks noGrp="1"/>
+          </p:cNvSpPr>
+          <p:nvPr>
+            <p:ph type="body" idx="1"/>
+          </p:nvPr>
+        </p:nvSpPr>
+        <p:spPr/>
+        <p:txBody>
+          <a:bodyPr/>
+          <a:lstStyle/>
+          <a:p>
+            <a:pPr marL="171450" marR="0" lvl="0" indent="-171450" algn="l" defTabSz="914400" rtl="0" eaLnBrk="1" fontAlgn="auto" latinLnBrk="0" hangingPunct="1">
+              <a:lnSpc>
+                <a:spcPct val="100000"/>
+              </a:lnSpc>
+              <a:spcBef>
+                <a:spcPts val="0"/>
+              </a:spcBef>
+              <a:spcAft>
+                <a:spcPts val="0"/>
+              </a:spcAft>
+              <a:buClrTx/>
+              <a:buSzTx/>
+              <a:buFont typeface="Arial" panose="020B0604020202020204" pitchFamily="34" charset="0"/>
+              <a:buChar char="•"/>
+              <a:tabLst/>
+              <a:defRPr/>
+            </a:pPr>
+            <a:r>
+              <a:rPr lang="en-US" dirty="0"/>
+              <a:t>Welcome, thanks for joining us</a:t>
+            </a:r>
+          </a:p>
+          <a:p>
+            <a:pPr marL="171450" marR="0" lvl="0" indent="-171450" algn="l" defTabSz="914400" rtl="0" eaLnBrk="1" fontAlgn="auto" latinLnBrk="0" hangingPunct="1">
+              <a:lnSpc>
+                <a:spcPct val="100000"/>
+              </a:lnSpc>
+              <a:spcBef>
+                <a:spcPts val="0"/>
+              </a:spcBef>
+              <a:spcAft>
+                <a:spcPts val="0"/>
+              </a:spcAft>
+              <a:buClrTx/>
+              <a:buSzTx/>
+              <a:buFont typeface="Arial" panose="020B0604020202020204" pitchFamily="34" charset="0"/>
+              <a:buChar char="•"/>
+              <a:tabLst/>
+              <a:defRPr/>
+            </a:pPr>
+            <a:r>
+              <a:rPr lang="en-US" dirty="0"/>
+              <a:t>Sebastian</a:t>
+            </a:r>
+          </a:p>
+          <a:p>
+            <a:pPr marL="171450" indent="-171450">
+              <a:buFont typeface="Arial" panose="020B0604020202020204" pitchFamily="34" charset="0"/>
+              <a:buChar char="•"/>
+            </a:pPr>
+            <a:r>
+              <a:rPr lang="en-US" dirty="0"/>
+              <a:t>Software Engineer</a:t>
+            </a:r>
+          </a:p>
+          <a:p>
+            <a:pPr marL="171450" indent="-171450">
+              <a:buFont typeface="Arial" panose="020B0604020202020204" pitchFamily="34" charset="0"/>
+              <a:buChar char="•"/>
+            </a:pPr>
+            <a:r>
+              <a:rPr lang="en-US" dirty="0"/>
+              <a:t>I joined LTI about 2 months ago</a:t>
+            </a:r>
+          </a:p>
+          <a:p>
+            <a:pPr marL="171450" indent="-171450">
+              <a:buFont typeface="Arial" panose="020B0604020202020204" pitchFamily="34" charset="0"/>
+              <a:buChar char="•"/>
+            </a:pPr>
+            <a:r>
+              <a:rPr lang="en-US" dirty="0"/>
+              <a:t>These are my teammates</a:t>
+            </a:r>
+          </a:p>
+          <a:p>
+            <a:pPr marL="171450" indent="-171450">
+              <a:buFont typeface="Arial" panose="020B0604020202020204" pitchFamily="34" charset="0"/>
+              <a:buChar char="•"/>
+            </a:pPr>
+            <a:r>
+              <a:rPr lang="en-US" dirty="0"/>
+              <a:t>(pause) – wait for team to introduce themselves</a:t>
+            </a:r>
+          </a:p>
+          <a:p>
+            <a:pPr marL="171450" marR="0" lvl="0" indent="-171450" algn="l" defTabSz="914400" rtl="0" eaLnBrk="1" fontAlgn="auto" latinLnBrk="0" hangingPunct="1">
+              <a:lnSpc>
+                <a:spcPct val="100000"/>
+              </a:lnSpc>
+              <a:spcBef>
+                <a:spcPts val="0"/>
+              </a:spcBef>
+              <a:spcAft>
+                <a:spcPts val="0"/>
+              </a:spcAft>
+              <a:buClrTx/>
+              <a:buSzTx/>
+              <a:buFont typeface="Arial" panose="020B0604020202020204" pitchFamily="34" charset="0"/>
+              <a:buChar char="•"/>
+              <a:tabLst/>
+              <a:defRPr/>
+            </a:pPr>
+            <a:r>
+              <a:rPr lang="en-US" dirty="0"/>
+              <a:t>This is a presentation for the course registration application that we have developed</a:t>
+            </a:r>
+          </a:p>
+          <a:p>
+            <a:pPr marL="0" indent="0">
+              <a:buFont typeface="Arial" panose="020B0604020202020204" pitchFamily="34" charset="0"/>
+              <a:buNone/>
+            </a:pPr>
+            <a:endParaRPr lang="en-US" dirty="0"/>
+          </a:p>
+          <a:p>
+            <a:pPr marL="0" indent="0">
+              <a:buFont typeface="Arial" panose="020B0604020202020204" pitchFamily="34" charset="0"/>
+              <a:buNone/>
+            </a:pPr>
+            <a:endParaRPr lang="en-US" dirty="0"/>
+          </a:p>
+        </p:txBody>
+      </p:sp>
+      <p:sp>
+        <p:nvSpPr>
+          <p:cNvPr id="4" name="Slide Number Placeholder 3"/>
+          <p:cNvSpPr>
+            <a:spLocks noGrp="1"/>
+          </p:cNvSpPr>
+          <p:nvPr>
+            <p:ph type="sldNum" sz="quarter" idx="5"/>
+          </p:nvPr>
+        </p:nvSpPr>
+        <p:spPr/>
+        <p:txBody>
+          <a:bodyPr/>
+          <a:lstStyle/>
+          <a:p>
+            <a:fld id="{26999B72-7BF5-4270-BEFE-12468A903FCC}" type="slidenum">
+              <a:rPr lang="en-US" smtClean="0"/>
+              <a:t>2</a:t>
+            </a:fld>
+            <a:endParaRPr lang="en-US"/>
+          </a:p>
+        </p:txBody>
+      </p:sp>
+    </p:spTree>
+    <p:extLst>
+      <p:ext uri="{BB962C8B-B14F-4D97-AF65-F5344CB8AC3E}">
+        <p14:creationId xmlns:p14="http://schemas.microsoft.com/office/powerpoint/2010/main" val="136161080"/>
+      </p:ext>
+    </p:extLst>
+  </p:cSld>
+  <p:clrMapOvr>
+    <a:masterClrMapping/>
+  </p:clrMapOvr>
+</p:notes>
+</file>
+
+<file path=ppt/notesSlides/notesSlide3.xml><?xml version="1.0" encoding="utf-8"?>
+<p:notes xmlns:a="http://schemas.openxmlformats.org/drawingml/2006/main" xmlns:r="http://schemas.openxmlformats.org/officeDocument/2006/relationships" xmlns:p="http://schemas.openxmlformats.org/presentationml/2006/main">
+  <p:cSld>
+    <p:spTree>
+      <p:nvGrpSpPr>
+        <p:cNvPr id="1" name=""/>
+        <p:cNvGrpSpPr/>
+        <p:nvPr/>
+      </p:nvGrpSpPr>
+      <p:grpSpPr>
+        <a:xfrm>
+          <a:off x="0" y="0"/>
+          <a:ext cx="0" cy="0"/>
+          <a:chOff x="0" y="0"/>
+          <a:chExt cx="0" cy="0"/>
+        </a:xfrm>
+      </p:grpSpPr>
+      <p:sp>
+        <p:nvSpPr>
+          <p:cNvPr id="2" name="Slide Image Placeholder 1"/>
+          <p:cNvSpPr>
+            <a:spLocks noGrp="1" noRot="1" noChangeAspect="1"/>
+          </p:cNvSpPr>
+          <p:nvPr>
+            <p:ph type="sldImg"/>
+          </p:nvPr>
+        </p:nvSpPr>
+        <p:spPr/>
+      </p:sp>
+      <p:sp>
+        <p:nvSpPr>
+          <p:cNvPr id="3" name="Notes Placeholder 2"/>
+          <p:cNvSpPr>
+            <a:spLocks noGrp="1"/>
+          </p:cNvSpPr>
+          <p:nvPr>
+            <p:ph type="body" idx="1"/>
+          </p:nvPr>
+        </p:nvSpPr>
+        <p:spPr/>
+        <p:txBody>
+          <a:bodyPr/>
+          <a:lstStyle/>
+          <a:p>
+            <a:pPr marL="171450" indent="-171450">
+              <a:buFont typeface="Arial" panose="020B0604020202020204" pitchFamily="34" charset="0"/>
+              <a:buChar char="•"/>
+            </a:pPr>
+            <a:r>
+              <a:rPr lang="en-US" dirty="0"/>
+              <a:t>Cover previous experience</a:t>
+            </a:r>
+          </a:p>
+          <a:p>
+            <a:pPr marL="171450" indent="-171450">
+              <a:buFont typeface="Arial" panose="020B0604020202020204" pitchFamily="34" charset="0"/>
+              <a:buChar char="•"/>
+            </a:pPr>
+            <a:r>
+              <a:rPr lang="en-US" dirty="0"/>
+              <a:t>(Pause) – wait for teammates to introduce themselves</a:t>
+            </a:r>
+          </a:p>
+        </p:txBody>
+      </p:sp>
+      <p:sp>
+        <p:nvSpPr>
+          <p:cNvPr id="4" name="Slide Number Placeholder 3"/>
+          <p:cNvSpPr>
+            <a:spLocks noGrp="1"/>
+          </p:cNvSpPr>
+          <p:nvPr>
+            <p:ph type="sldNum" sz="quarter" idx="5"/>
+          </p:nvPr>
+        </p:nvSpPr>
+        <p:spPr/>
+        <p:txBody>
+          <a:bodyPr/>
+          <a:lstStyle/>
+          <a:p>
+            <a:fld id="{26999B72-7BF5-4270-BEFE-12468A903FCC}" type="slidenum">
+              <a:rPr lang="en-US" smtClean="0"/>
+              <a:t>3</a:t>
+            </a:fld>
+            <a:endParaRPr lang="en-US"/>
+          </a:p>
+        </p:txBody>
+      </p:sp>
+    </p:spTree>
+    <p:extLst>
+      <p:ext uri="{BB962C8B-B14F-4D97-AF65-F5344CB8AC3E}">
+        <p14:creationId xmlns:p14="http://schemas.microsoft.com/office/powerpoint/2010/main" val="3124527856"/>
+      </p:ext>
+    </p:extLst>
+  </p:cSld>
+  <p:clrMapOvr>
+    <a:masterClrMapping/>
+  </p:clrMapOvr>
+</p:notes>
+</file>
+
+<file path=ppt/notesSlides/notesSlide4.xml><?xml version="1.0" encoding="utf-8"?>
+<p:notes xmlns:a="http://schemas.openxmlformats.org/drawingml/2006/main" xmlns:r="http://schemas.openxmlformats.org/officeDocument/2006/relationships" xmlns:p="http://schemas.openxmlformats.org/presentationml/2006/main">
+  <p:cSld>
+    <p:spTree>
+      <p:nvGrpSpPr>
+        <p:cNvPr id="1" name=""/>
+        <p:cNvGrpSpPr/>
+        <p:nvPr/>
+      </p:nvGrpSpPr>
+      <p:grpSpPr>
+        <a:xfrm>
+          <a:off x="0" y="0"/>
+          <a:ext cx="0" cy="0"/>
+          <a:chOff x="0" y="0"/>
+          <a:chExt cx="0" cy="0"/>
+        </a:xfrm>
+      </p:grpSpPr>
+      <p:sp>
+        <p:nvSpPr>
+          <p:cNvPr id="2" name="Slide Image Placeholder 1"/>
+          <p:cNvSpPr>
+            <a:spLocks noGrp="1" noRot="1" noChangeAspect="1"/>
+          </p:cNvSpPr>
+          <p:nvPr>
+            <p:ph type="sldImg"/>
+          </p:nvPr>
+        </p:nvSpPr>
+        <p:spPr/>
+      </p:sp>
+      <p:sp>
+        <p:nvSpPr>
+          <p:cNvPr id="3" name="Notes Placeholder 2"/>
+          <p:cNvSpPr>
+            <a:spLocks noGrp="1"/>
+          </p:cNvSpPr>
+          <p:nvPr>
+            <p:ph type="body" idx="1"/>
+          </p:nvPr>
+        </p:nvSpPr>
+        <p:spPr/>
+        <p:txBody>
+          <a:bodyPr/>
+          <a:lstStyle/>
+          <a:p>
+            <a:pPr marL="171450" indent="-171450">
+              <a:buFont typeface="Arial" panose="020B0604020202020204" pitchFamily="34" charset="0"/>
+              <a:buChar char="•"/>
+            </a:pPr>
+            <a:r>
+              <a:rPr lang="en-US" dirty="0"/>
+              <a:t>Read from the slide</a:t>
+            </a:r>
+          </a:p>
+          <a:p>
+            <a:pPr marL="0" indent="0">
+              <a:buFont typeface="Arial" panose="020B0604020202020204" pitchFamily="34" charset="0"/>
+              <a:buNone/>
+            </a:pPr>
+            <a:endParaRPr lang="en-US" dirty="0"/>
+          </a:p>
+        </p:txBody>
+      </p:sp>
+      <p:sp>
+        <p:nvSpPr>
+          <p:cNvPr id="4" name="Slide Number Placeholder 3"/>
+          <p:cNvSpPr>
+            <a:spLocks noGrp="1"/>
+          </p:cNvSpPr>
+          <p:nvPr>
+            <p:ph type="sldNum" sz="quarter" idx="5"/>
+          </p:nvPr>
+        </p:nvSpPr>
+        <p:spPr/>
+        <p:txBody>
+          <a:bodyPr/>
+          <a:lstStyle/>
+          <a:p>
+            <a:fld id="{26999B72-7BF5-4270-BEFE-12468A903FCC}" type="slidenum">
+              <a:rPr lang="en-US" smtClean="0"/>
+              <a:t>4</a:t>
+            </a:fld>
+            <a:endParaRPr lang="en-US"/>
+          </a:p>
+        </p:txBody>
+      </p:sp>
+    </p:spTree>
+    <p:extLst>
+      <p:ext uri="{BB962C8B-B14F-4D97-AF65-F5344CB8AC3E}">
+        <p14:creationId xmlns:p14="http://schemas.microsoft.com/office/powerpoint/2010/main" val="3514669010"/>
+      </p:ext>
+    </p:extLst>
+  </p:cSld>
+  <p:clrMapOvr>
+    <a:masterClrMapping/>
+  </p:clrMapOvr>
+</p:notes>
+</file>
+
+<file path=ppt/notesSlides/notesSlide5.xml><?xml version="1.0" encoding="utf-8"?>
+<p:notes xmlns:a="http://schemas.openxmlformats.org/drawingml/2006/main" xmlns:r="http://schemas.openxmlformats.org/officeDocument/2006/relationships" xmlns:p="http://schemas.openxmlformats.org/presentationml/2006/main">
+  <p:cSld>
+    <p:spTree>
+      <p:nvGrpSpPr>
+        <p:cNvPr id="1" name=""/>
+        <p:cNvGrpSpPr/>
+        <p:nvPr/>
+      </p:nvGrpSpPr>
+      <p:grpSpPr>
+        <a:xfrm>
+          <a:off x="0" y="0"/>
+          <a:ext cx="0" cy="0"/>
+          <a:chOff x="0" y="0"/>
+          <a:chExt cx="0" cy="0"/>
+        </a:xfrm>
+      </p:grpSpPr>
+      <p:sp>
+        <p:nvSpPr>
+          <p:cNvPr id="2" name="Slide Image Placeholder 1"/>
+          <p:cNvSpPr>
+            <a:spLocks noGrp="1" noRot="1" noChangeAspect="1"/>
+          </p:cNvSpPr>
+          <p:nvPr>
+            <p:ph type="sldImg"/>
+          </p:nvPr>
+        </p:nvSpPr>
+        <p:spPr/>
+      </p:sp>
+      <p:sp>
+        <p:nvSpPr>
+          <p:cNvPr id="3" name="Notes Placeholder 2"/>
+          <p:cNvSpPr>
+            <a:spLocks noGrp="1"/>
+          </p:cNvSpPr>
+          <p:nvPr>
+            <p:ph type="body" idx="1"/>
+          </p:nvPr>
+        </p:nvSpPr>
+        <p:spPr/>
+        <p:txBody>
+          <a:bodyPr/>
+          <a:lstStyle/>
+          <a:p>
+            <a:pPr marL="171450" indent="-171450">
+              <a:buFont typeface="Arial" panose="020B0604020202020204" pitchFamily="34" charset="0"/>
+              <a:buChar char="•"/>
+            </a:pPr>
+            <a:r>
+              <a:rPr lang="en-US" dirty="0"/>
+              <a:t>Go through slide bullet points</a:t>
+            </a:r>
+          </a:p>
+          <a:p>
+            <a:pPr marL="0" indent="0">
+              <a:buFont typeface="Arial" panose="020B0604020202020204" pitchFamily="34" charset="0"/>
+              <a:buNone/>
+            </a:pPr>
+            <a:endParaRPr lang="en-US" dirty="0"/>
+          </a:p>
+        </p:txBody>
+      </p:sp>
+      <p:sp>
+        <p:nvSpPr>
+          <p:cNvPr id="4" name="Slide Number Placeholder 3"/>
+          <p:cNvSpPr>
+            <a:spLocks noGrp="1"/>
+          </p:cNvSpPr>
+          <p:nvPr>
+            <p:ph type="sldNum" sz="quarter" idx="5"/>
+          </p:nvPr>
+        </p:nvSpPr>
+        <p:spPr/>
+        <p:txBody>
+          <a:bodyPr/>
+          <a:lstStyle/>
+          <a:p>
+            <a:fld id="{26999B72-7BF5-4270-BEFE-12468A903FCC}" type="slidenum">
+              <a:rPr lang="en-US" smtClean="0"/>
+              <a:t>5</a:t>
+            </a:fld>
+            <a:endParaRPr lang="en-US"/>
+          </a:p>
+        </p:txBody>
+      </p:sp>
+    </p:spTree>
+    <p:extLst>
+      <p:ext uri="{BB962C8B-B14F-4D97-AF65-F5344CB8AC3E}">
+        <p14:creationId xmlns:p14="http://schemas.microsoft.com/office/powerpoint/2010/main" val="1634097625"/>
+      </p:ext>
+    </p:extLst>
+  </p:cSld>
+  <p:clrMapOvr>
+    <a:masterClrMapping/>
+  </p:clrMapOvr>
+</p:notes>
+</file>
+
+<file path=ppt/notesSlides/notesSlide6.xml><?xml version="1.0" encoding="utf-8"?>
+<p:notes xmlns:a="http://schemas.openxmlformats.org/drawingml/2006/main" xmlns:r="http://schemas.openxmlformats.org/officeDocument/2006/relationships" xmlns:p="http://schemas.openxmlformats.org/presentationml/2006/main">
+  <p:cSld>
+    <p:spTree>
+      <p:nvGrpSpPr>
+        <p:cNvPr id="1" name=""/>
+        <p:cNvGrpSpPr/>
+        <p:nvPr/>
+      </p:nvGrpSpPr>
+      <p:grpSpPr>
+        <a:xfrm>
+          <a:off x="0" y="0"/>
+          <a:ext cx="0" cy="0"/>
+          <a:chOff x="0" y="0"/>
+          <a:chExt cx="0" cy="0"/>
+        </a:xfrm>
+      </p:grpSpPr>
+      <p:sp>
+        <p:nvSpPr>
+          <p:cNvPr id="2" name="Slide Image Placeholder 1"/>
+          <p:cNvSpPr>
+            <a:spLocks noGrp="1" noRot="1" noChangeAspect="1"/>
+          </p:cNvSpPr>
+          <p:nvPr>
+            <p:ph type="sldImg"/>
+          </p:nvPr>
+        </p:nvSpPr>
+        <p:spPr/>
+      </p:sp>
+      <p:sp>
+        <p:nvSpPr>
+          <p:cNvPr id="3" name="Notes Placeholder 2"/>
+          <p:cNvSpPr>
+            <a:spLocks noGrp="1"/>
+          </p:cNvSpPr>
+          <p:nvPr>
+            <p:ph type="body" idx="1"/>
+          </p:nvPr>
+        </p:nvSpPr>
+        <p:spPr/>
+        <p:txBody>
+          <a:bodyPr/>
+          <a:lstStyle/>
+          <a:p>
+            <a:pPr marL="171450" indent="-171450">
+              <a:buFont typeface="Arial" panose="020B0604020202020204" pitchFamily="34" charset="0"/>
+              <a:buChar char="•"/>
+            </a:pPr>
+            <a:r>
+              <a:rPr lang="en-US" dirty="0"/>
+              <a:t>Ask </a:t>
+            </a:r>
+            <a:r>
+              <a:rPr lang="en-US" dirty="0" err="1"/>
+              <a:t>Rehma</a:t>
+            </a:r>
+            <a:r>
+              <a:rPr lang="en-US" dirty="0"/>
+              <a:t> to cover this slide</a:t>
+            </a:r>
+          </a:p>
+          <a:p>
+            <a:pPr marL="0" indent="0">
+              <a:buFont typeface="Arial" panose="020B0604020202020204" pitchFamily="34" charset="0"/>
+              <a:buNone/>
+            </a:pPr>
+            <a:endParaRPr lang="en-US" dirty="0"/>
+          </a:p>
+        </p:txBody>
+      </p:sp>
+      <p:sp>
+        <p:nvSpPr>
+          <p:cNvPr id="4" name="Slide Number Placeholder 3"/>
+          <p:cNvSpPr>
+            <a:spLocks noGrp="1"/>
+          </p:cNvSpPr>
+          <p:nvPr>
+            <p:ph type="sldNum" sz="quarter" idx="5"/>
+          </p:nvPr>
+        </p:nvSpPr>
+        <p:spPr/>
+        <p:txBody>
+          <a:bodyPr/>
+          <a:lstStyle/>
+          <a:p>
+            <a:fld id="{26999B72-7BF5-4270-BEFE-12468A903FCC}" type="slidenum">
+              <a:rPr lang="en-US" smtClean="0"/>
+              <a:t>6</a:t>
+            </a:fld>
+            <a:endParaRPr lang="en-US"/>
+          </a:p>
+        </p:txBody>
+      </p:sp>
+    </p:spTree>
+    <p:extLst>
+      <p:ext uri="{BB962C8B-B14F-4D97-AF65-F5344CB8AC3E}">
+        <p14:creationId xmlns:p14="http://schemas.microsoft.com/office/powerpoint/2010/main" val="4092121446"/>
+      </p:ext>
+    </p:extLst>
+  </p:cSld>
+  <p:clrMapOvr>
+    <a:masterClrMapping/>
+  </p:clrMapOvr>
+</p:notes>
+</file>
+
+<file path=ppt/notesSlides/notesSlide7.xml><?xml version="1.0" encoding="utf-8"?>
+<p:notes xmlns:a="http://schemas.openxmlformats.org/drawingml/2006/main" xmlns:r="http://schemas.openxmlformats.org/officeDocument/2006/relationships" xmlns:p="http://schemas.openxmlformats.org/presentationml/2006/main">
+  <p:cSld>
+    <p:spTree>
+      <p:nvGrpSpPr>
+        <p:cNvPr id="1" name=""/>
+        <p:cNvGrpSpPr/>
+        <p:nvPr/>
+      </p:nvGrpSpPr>
+      <p:grpSpPr>
+        <a:xfrm>
+          <a:off x="0" y="0"/>
+          <a:ext cx="0" cy="0"/>
+          <a:chOff x="0" y="0"/>
+          <a:chExt cx="0" cy="0"/>
+        </a:xfrm>
+      </p:grpSpPr>
+      <p:sp>
+        <p:nvSpPr>
+          <p:cNvPr id="2" name="Slide Image Placeholder 1"/>
+          <p:cNvSpPr>
+            <a:spLocks noGrp="1" noRot="1" noChangeAspect="1"/>
+          </p:cNvSpPr>
+          <p:nvPr>
+            <p:ph type="sldImg"/>
+          </p:nvPr>
+        </p:nvSpPr>
+        <p:spPr/>
+      </p:sp>
+      <p:sp>
+        <p:nvSpPr>
+          <p:cNvPr id="3" name="Notes Placeholder 2"/>
+          <p:cNvSpPr>
+            <a:spLocks noGrp="1"/>
+          </p:cNvSpPr>
+          <p:nvPr>
+            <p:ph type="body" idx="1"/>
+          </p:nvPr>
+        </p:nvSpPr>
+        <p:spPr/>
+        <p:txBody>
+          <a:bodyPr/>
+          <a:lstStyle/>
+          <a:p>
+            <a:pPr marL="171450" indent="-171450">
+              <a:buFont typeface="Arial" panose="020B0604020202020204" pitchFamily="34" charset="0"/>
+              <a:buChar char="•"/>
+            </a:pPr>
+            <a:r>
+              <a:rPr lang="en-US" dirty="0"/>
+              <a:t>Ask </a:t>
+            </a:r>
+            <a:r>
+              <a:rPr lang="en-US" dirty="0" err="1"/>
+              <a:t>Rehma</a:t>
+            </a:r>
+            <a:r>
+              <a:rPr lang="en-US" dirty="0"/>
+              <a:t> to cover this slide</a:t>
+            </a:r>
+          </a:p>
+          <a:p>
+            <a:pPr marL="171450" indent="-171450">
+              <a:buFont typeface="Arial" panose="020B0604020202020204" pitchFamily="34" charset="0"/>
+              <a:buChar char="•"/>
+            </a:pPr>
+            <a:endParaRPr lang="en-US" dirty="0"/>
+          </a:p>
+        </p:txBody>
+      </p:sp>
+      <p:sp>
+        <p:nvSpPr>
+          <p:cNvPr id="4" name="Slide Number Placeholder 3"/>
+          <p:cNvSpPr>
+            <a:spLocks noGrp="1"/>
+          </p:cNvSpPr>
+          <p:nvPr>
+            <p:ph type="sldNum" sz="quarter" idx="5"/>
+          </p:nvPr>
+        </p:nvSpPr>
+        <p:spPr/>
+        <p:txBody>
+          <a:bodyPr/>
+          <a:lstStyle/>
+          <a:p>
+            <a:fld id="{26999B72-7BF5-4270-BEFE-12468A903FCC}" type="slidenum">
+              <a:rPr lang="en-US" smtClean="0"/>
+              <a:t>7</a:t>
+            </a:fld>
+            <a:endParaRPr lang="en-US"/>
+          </a:p>
+        </p:txBody>
+      </p:sp>
+    </p:spTree>
+    <p:extLst>
+      <p:ext uri="{BB962C8B-B14F-4D97-AF65-F5344CB8AC3E}">
+        <p14:creationId xmlns:p14="http://schemas.microsoft.com/office/powerpoint/2010/main" val="2329989633"/>
+      </p:ext>
+    </p:extLst>
+  </p:cSld>
+  <p:clrMapOvr>
+    <a:masterClrMapping/>
+  </p:clrMapOvr>
+</p:notes>
+</file>
+
+<file path=ppt/notesSlides/notesSlide8.xml><?xml version="1.0" encoding="utf-8"?>
+<p:notes xmlns:a="http://schemas.openxmlformats.org/drawingml/2006/main" xmlns:r="http://schemas.openxmlformats.org/officeDocument/2006/relationships" xmlns:p="http://schemas.openxmlformats.org/presentationml/2006/main">
+  <p:cSld>
+    <p:spTree>
+      <p:nvGrpSpPr>
+        <p:cNvPr id="1" name=""/>
+        <p:cNvGrpSpPr/>
+        <p:nvPr/>
+      </p:nvGrpSpPr>
+      <p:grpSpPr>
+        <a:xfrm>
+          <a:off x="0" y="0"/>
+          <a:ext cx="0" cy="0"/>
+          <a:chOff x="0" y="0"/>
+          <a:chExt cx="0" cy="0"/>
+        </a:xfrm>
+      </p:grpSpPr>
+      <p:sp>
+        <p:nvSpPr>
+          <p:cNvPr id="2" name="Slide Image Placeholder 1"/>
+          <p:cNvSpPr>
+            <a:spLocks noGrp="1" noRot="1" noChangeAspect="1"/>
+          </p:cNvSpPr>
+          <p:nvPr>
+            <p:ph type="sldImg"/>
+          </p:nvPr>
+        </p:nvSpPr>
+        <p:spPr/>
+      </p:sp>
+      <p:sp>
+        <p:nvSpPr>
+          <p:cNvPr id="3" name="Notes Placeholder 2"/>
+          <p:cNvSpPr>
+            <a:spLocks noGrp="1"/>
+          </p:cNvSpPr>
+          <p:nvPr>
+            <p:ph type="body" idx="1"/>
+          </p:nvPr>
+        </p:nvSpPr>
+        <p:spPr/>
+        <p:txBody>
+          <a:bodyPr/>
+          <a:lstStyle/>
+          <a:p>
+            <a:r>
+              <a:rPr lang="en-US" dirty="0"/>
+              <a:t>* These are the faces of the team, since Jonathan departed from the company we did not get a chance to get his picture</a:t>
+            </a:r>
+          </a:p>
+        </p:txBody>
+      </p:sp>
+      <p:sp>
+        <p:nvSpPr>
+          <p:cNvPr id="4" name="Slide Number Placeholder 3"/>
+          <p:cNvSpPr>
+            <a:spLocks noGrp="1"/>
+          </p:cNvSpPr>
+          <p:nvPr>
+            <p:ph type="sldNum" sz="quarter" idx="5"/>
+          </p:nvPr>
+        </p:nvSpPr>
+        <p:spPr/>
+        <p:txBody>
+          <a:bodyPr/>
+          <a:lstStyle/>
+          <a:p>
+            <a:fld id="{26999B72-7BF5-4270-BEFE-12468A903FCC}" type="slidenum">
+              <a:rPr lang="en-US" smtClean="0"/>
+              <a:t>8</a:t>
+            </a:fld>
+            <a:endParaRPr lang="en-US"/>
+          </a:p>
+        </p:txBody>
+      </p:sp>
+    </p:spTree>
+    <p:extLst>
+      <p:ext uri="{BB962C8B-B14F-4D97-AF65-F5344CB8AC3E}">
+        <p14:creationId xmlns:p14="http://schemas.microsoft.com/office/powerpoint/2010/main" val="2420453437"/>
+      </p:ext>
+    </p:extLst>
+  </p:cSld>
+  <p:clrMapOvr>
+    <a:masterClrMapping/>
+  </p:clrMapOvr>
+</p:notes>
+</file>
+
+<file path=ppt/notesSlides/notesSlide9.xml><?xml version="1.0" encoding="utf-8"?>
+<p:notes xmlns:a="http://schemas.openxmlformats.org/drawingml/2006/main" xmlns:r="http://schemas.openxmlformats.org/officeDocument/2006/relationships" xmlns:p="http://schemas.openxmlformats.org/presentationml/2006/main">
+  <p:cSld>
+    <p:spTree>
+      <p:nvGrpSpPr>
+        <p:cNvPr id="1" name=""/>
+        <p:cNvGrpSpPr/>
+        <p:nvPr/>
+      </p:nvGrpSpPr>
+      <p:grpSpPr>
+        <a:xfrm>
+          <a:off x="0" y="0"/>
+          <a:ext cx="0" cy="0"/>
+          <a:chOff x="0" y="0"/>
+          <a:chExt cx="0" cy="0"/>
+        </a:xfrm>
+      </p:grpSpPr>
+      <p:sp>
+        <p:nvSpPr>
+          <p:cNvPr id="2" name="Slide Image Placeholder 1"/>
+          <p:cNvSpPr>
+            <a:spLocks noGrp="1" noRot="1" noChangeAspect="1"/>
+          </p:cNvSpPr>
+          <p:nvPr>
+            <p:ph type="sldImg"/>
+          </p:nvPr>
+        </p:nvSpPr>
+        <p:spPr/>
+      </p:sp>
+      <p:sp>
+        <p:nvSpPr>
+          <p:cNvPr id="3" name="Notes Placeholder 2"/>
+          <p:cNvSpPr>
+            <a:spLocks noGrp="1"/>
+          </p:cNvSpPr>
+          <p:nvPr>
+            <p:ph type="body" idx="1"/>
+          </p:nvPr>
+        </p:nvSpPr>
+        <p:spPr/>
+        <p:txBody>
+          <a:bodyPr/>
+          <a:lstStyle/>
+          <a:p>
+            <a:pPr marL="171450" indent="-171450">
+              <a:buFont typeface="Arial" panose="020B0604020202020204" pitchFamily="34" charset="0"/>
+              <a:buChar char="•"/>
+            </a:pPr>
+            <a:r>
+              <a:rPr lang="en-US" dirty="0"/>
+              <a:t>These are the team roles and work done</a:t>
+            </a:r>
+          </a:p>
+          <a:p>
+            <a:pPr marL="171450" indent="-171450">
+              <a:buFont typeface="Arial" panose="020B0604020202020204" pitchFamily="34" charset="0"/>
+              <a:buChar char="•"/>
+            </a:pPr>
+            <a:endParaRPr lang="en-US" dirty="0"/>
+          </a:p>
+        </p:txBody>
+      </p:sp>
+      <p:sp>
+        <p:nvSpPr>
+          <p:cNvPr id="4" name="Slide Number Placeholder 3"/>
+          <p:cNvSpPr>
+            <a:spLocks noGrp="1"/>
+          </p:cNvSpPr>
+          <p:nvPr>
+            <p:ph type="sldNum" sz="quarter" idx="5"/>
+          </p:nvPr>
+        </p:nvSpPr>
+        <p:spPr/>
+        <p:txBody>
+          <a:bodyPr/>
+          <a:lstStyle/>
+          <a:p>
+            <a:fld id="{26999B72-7BF5-4270-BEFE-12468A903FCC}" type="slidenum">
+              <a:rPr lang="en-US" smtClean="0"/>
+              <a:t>9</a:t>
+            </a:fld>
+            <a:endParaRPr lang="en-US"/>
+          </a:p>
+        </p:txBody>
+      </p:sp>
+    </p:spTree>
+    <p:extLst>
+      <p:ext uri="{BB962C8B-B14F-4D97-AF65-F5344CB8AC3E}">
+        <p14:creationId xmlns:p14="http://schemas.microsoft.com/office/powerpoint/2010/main" val="2940689607"/>
+      </p:ext>
+    </p:extLst>
+  </p:cSld>
+  <p:clrMapOvr>
+    <a:masterClrMapping/>
+  </p:clrMapOvr>
+</p:notes>
 </file>
 
 <file path=ppt/slideLayouts/slideLayout1.xml><?xml version="1.0" encoding="utf-8"?>
@@ -3382,7 +5768,7 @@
           <p:nvPr/>
         </p:nvPicPr>
         <p:blipFill>
-          <a:blip r:embed="rId2">
+          <a:blip r:embed="rId3">
             <a:extLst>
               <a:ext uri="{28A0092B-C50C-407E-A947-70E740481C1C}">
                 <a14:useLocalDpi xmlns:a14="http://schemas.microsoft.com/office/drawing/2010/main" val="0"/>
@@ -3490,7 +5876,7 @@
           <p:nvPr/>
         </p:nvPicPr>
         <p:blipFill>
-          <a:blip r:embed="rId2">
+          <a:blip r:embed="rId3">
             <a:extLst>
               <a:ext uri="{28A0092B-C50C-407E-A947-70E740481C1C}">
                 <a14:useLocalDpi xmlns:a14="http://schemas.microsoft.com/office/drawing/2010/main" val="0"/>
@@ -3656,7 +6042,7 @@
           <p:nvPr/>
         </p:nvPicPr>
         <p:blipFill>
-          <a:blip r:embed="rId3">
+          <a:blip r:embed="rId4">
             <a:extLst>
               <a:ext uri="{28A0092B-C50C-407E-A947-70E740481C1C}">
                 <a14:useLocalDpi xmlns:a14="http://schemas.microsoft.com/office/drawing/2010/main" val="0"/>
@@ -3901,7 +6287,7 @@
           <p:nvPr/>
         </p:nvPicPr>
         <p:blipFill>
-          <a:blip r:embed="rId2">
+          <a:blip r:embed="rId3">
             <a:extLst>
               <a:ext uri="{28A0092B-C50C-407E-A947-70E740481C1C}">
                 <a14:useLocalDpi xmlns:a14="http://schemas.microsoft.com/office/drawing/2010/main" val="0"/>
@@ -3948,7 +6334,7 @@
           <p:nvPr/>
         </p:nvPicPr>
         <p:blipFill>
-          <a:blip r:embed="rId3">
+          <a:blip r:embed="rId4">
             <a:extLst>
               <a:ext uri="{28A0092B-C50C-407E-A947-70E740481C1C}">
                 <a14:useLocalDpi xmlns:a14="http://schemas.microsoft.com/office/drawing/2010/main" val="0"/>
@@ -4025,7 +6411,7 @@
           <p:nvPr/>
         </p:nvPicPr>
         <p:blipFill>
-          <a:blip r:embed="rId2">
+          <a:blip r:embed="rId3">
             <a:extLst>
               <a:ext uri="{28A0092B-C50C-407E-A947-70E740481C1C}">
                 <a14:useLocalDpi xmlns:a14="http://schemas.microsoft.com/office/drawing/2010/main" val="0"/>
@@ -4072,7 +6458,7 @@
           <p:nvPr/>
         </p:nvPicPr>
         <p:blipFill>
-          <a:blip r:embed="rId3">
+          <a:blip r:embed="rId4">
             <a:extLst>
               <a:ext uri="{28A0092B-C50C-407E-A947-70E740481C1C}">
                 <a14:useLocalDpi xmlns:a14="http://schemas.microsoft.com/office/drawing/2010/main" val="0"/>
@@ -4119,7 +6505,7 @@
           <p:nvPr/>
         </p:nvPicPr>
         <p:blipFill>
-          <a:blip r:embed="rId4">
+          <a:blip r:embed="rId5">
             <a:extLst>
               <a:ext uri="{28A0092B-C50C-407E-A947-70E740481C1C}">
                 <a14:useLocalDpi xmlns:a14="http://schemas.microsoft.com/office/drawing/2010/main" val="0"/>
@@ -4166,7 +6552,7 @@
           <p:nvPr/>
         </p:nvPicPr>
         <p:blipFill>
-          <a:blip r:embed="rId5">
+          <a:blip r:embed="rId6">
             <a:extLst>
               <a:ext uri="{28A0092B-C50C-407E-A947-70E740481C1C}">
                 <a14:useLocalDpi xmlns:a14="http://schemas.microsoft.com/office/drawing/2010/main" val="0"/>
@@ -4213,7 +6599,7 @@
           <p:nvPr/>
         </p:nvPicPr>
         <p:blipFill>
-          <a:blip r:embed="rId6">
+          <a:blip r:embed="rId7">
             <a:extLst>
               <a:ext uri="{28A0092B-C50C-407E-A947-70E740481C1C}">
                 <a14:useLocalDpi xmlns:a14="http://schemas.microsoft.com/office/drawing/2010/main" val="0"/>
@@ -4260,7 +6646,7 @@
           <p:nvPr/>
         </p:nvPicPr>
         <p:blipFill>
-          <a:blip r:embed="rId7">
+          <a:blip r:embed="rId8">
             <a:extLst>
               <a:ext uri="{28A0092B-C50C-407E-A947-70E740481C1C}">
                 <a14:useLocalDpi xmlns:a14="http://schemas.microsoft.com/office/drawing/2010/main" val="0"/>
@@ -4307,7 +6693,7 @@
           <p:nvPr/>
         </p:nvPicPr>
         <p:blipFill>
-          <a:blip r:embed="rId8">
+          <a:blip r:embed="rId9">
             <a:extLst>
               <a:ext uri="{28A0092B-C50C-407E-A947-70E740481C1C}">
                 <a14:useLocalDpi xmlns:a14="http://schemas.microsoft.com/office/drawing/2010/main" val="0"/>
@@ -4354,7 +6740,7 @@
           <p:nvPr/>
         </p:nvPicPr>
         <p:blipFill>
-          <a:blip r:embed="rId9">
+          <a:blip r:embed="rId10">
             <a:extLst>
               <a:ext uri="{28A0092B-C50C-407E-A947-70E740481C1C}">
                 <a14:useLocalDpi xmlns:a14="http://schemas.microsoft.com/office/drawing/2010/main" val="0"/>
@@ -4401,7 +6787,7 @@
           <p:nvPr/>
         </p:nvPicPr>
         <p:blipFill>
-          <a:blip r:embed="rId10">
+          <a:blip r:embed="rId11">
             <a:extLst>
               <a:ext uri="{28A0092B-C50C-407E-A947-70E740481C1C}">
                 <a14:useLocalDpi xmlns:a14="http://schemas.microsoft.com/office/drawing/2010/main" val="0"/>
@@ -4574,7 +6960,7 @@
           <p:nvPr/>
         </p:nvPicPr>
         <p:blipFill>
-          <a:blip r:embed="rId11">
+          <a:blip r:embed="rId12">
             <a:extLst>
               <a:ext uri="{28A0092B-C50C-407E-A947-70E740481C1C}">
                 <a14:useLocalDpi xmlns:a14="http://schemas.microsoft.com/office/drawing/2010/main" val="0"/>
@@ -4621,7 +7007,7 @@
           <p:nvPr/>
         </p:nvPicPr>
         <p:blipFill rotWithShape="1">
-          <a:blip r:embed="rId12">
+          <a:blip r:embed="rId13">
             <a:extLst>
               <a:ext uri="{28A0092B-C50C-407E-A947-70E740481C1C}">
                 <a14:useLocalDpi xmlns:a14="http://schemas.microsoft.com/office/drawing/2010/main" val="0"/>
@@ -4666,7 +7052,7 @@
           <p:nvPr/>
         </p:nvPicPr>
         <p:blipFill>
-          <a:blip r:embed="rId13">
+          <a:blip r:embed="rId14">
             <a:extLst>
               <a:ext uri="{28A0092B-C50C-407E-A947-70E740481C1C}">
                 <a14:useLocalDpi xmlns:a14="http://schemas.microsoft.com/office/drawing/2010/main" val="0"/>
@@ -4713,7 +7099,7 @@
           <p:nvPr/>
         </p:nvPicPr>
         <p:blipFill>
-          <a:blip r:embed="rId14">
+          <a:blip r:embed="rId15">
             <a:extLst>
               <a:ext uri="{28A0092B-C50C-407E-A947-70E740481C1C}">
                 <a14:useLocalDpi xmlns:a14="http://schemas.microsoft.com/office/drawing/2010/main" val="0"/>
@@ -4850,7 +7236,7 @@
           <p:nvPr/>
         </p:nvPicPr>
         <p:blipFill>
-          <a:blip r:embed="rId15">
+          <a:blip r:embed="rId16">
             <a:extLst>
               <a:ext uri="{28A0092B-C50C-407E-A947-70E740481C1C}">
                 <a14:useLocalDpi xmlns:a14="http://schemas.microsoft.com/office/drawing/2010/main" val="0"/>
@@ -4897,7 +7283,7 @@
           <p:nvPr/>
         </p:nvPicPr>
         <p:blipFill>
-          <a:blip r:embed="rId16">
+          <a:blip r:embed="rId17">
             <a:extLst>
               <a:ext uri="{28A0092B-C50C-407E-A947-70E740481C1C}">
                 <a14:useLocalDpi xmlns:a14="http://schemas.microsoft.com/office/drawing/2010/main" val="0"/>
@@ -4944,7 +7330,7 @@
           <p:nvPr/>
         </p:nvPicPr>
         <p:blipFill rotWithShape="1">
-          <a:blip r:embed="rId17">
+          <a:blip r:embed="rId18">
             <a:extLst>
               <a:ext uri="{28A0092B-C50C-407E-A947-70E740481C1C}">
                 <a14:useLocalDpi xmlns:a14="http://schemas.microsoft.com/office/drawing/2010/main" val="0"/>
@@ -4989,7 +7375,7 @@
           <p:nvPr/>
         </p:nvPicPr>
         <p:blipFill>
-          <a:blip r:embed="rId18">
+          <a:blip r:embed="rId19">
             <a:extLst>
               <a:ext uri="{28A0092B-C50C-407E-A947-70E740481C1C}">
                 <a14:useLocalDpi xmlns:a14="http://schemas.microsoft.com/office/drawing/2010/main" val="0"/>
@@ -5036,7 +7422,7 @@
           <p:nvPr/>
         </p:nvPicPr>
         <p:blipFill>
-          <a:blip r:embed="rId19">
+          <a:blip r:embed="rId20">
             <a:extLst>
               <a:ext uri="{28A0092B-C50C-407E-A947-70E740481C1C}">
                 <a14:useLocalDpi xmlns:a14="http://schemas.microsoft.com/office/drawing/2010/main" val="0"/>
@@ -5083,7 +7469,7 @@
           <p:nvPr/>
         </p:nvPicPr>
         <p:blipFill>
-          <a:blip r:embed="rId20">
+          <a:blip r:embed="rId21">
             <a:extLst>
               <a:ext uri="{28A0092B-C50C-407E-A947-70E740481C1C}">
                 <a14:useLocalDpi xmlns:a14="http://schemas.microsoft.com/office/drawing/2010/main" val="0"/>
@@ -5130,7 +7516,7 @@
           <p:nvPr/>
         </p:nvPicPr>
         <p:blipFill>
-          <a:blip r:embed="rId21">
+          <a:blip r:embed="rId22">
             <a:extLst>
               <a:ext uri="{28A0092B-C50C-407E-A947-70E740481C1C}">
                 <a14:useLocalDpi xmlns:a14="http://schemas.microsoft.com/office/drawing/2010/main" val="0"/>
@@ -5177,7 +7563,7 @@
           <p:nvPr/>
         </p:nvPicPr>
         <p:blipFill>
-          <a:blip r:embed="rId22">
+          <a:blip r:embed="rId23">
             <a:extLst>
               <a:ext uri="{28A0092B-C50C-407E-A947-70E740481C1C}">
                 <a14:useLocalDpi xmlns:a14="http://schemas.microsoft.com/office/drawing/2010/main" val="0"/>
@@ -5491,7 +7877,7 @@
           <p:nvPr/>
         </p:nvPicPr>
         <p:blipFill>
-          <a:blip r:embed="rId2">
+          <a:blip r:embed="rId3">
             <a:extLst>
               <a:ext uri="{28A0092B-C50C-407E-A947-70E740481C1C}">
                 <a14:useLocalDpi xmlns:a14="http://schemas.microsoft.com/office/drawing/2010/main" val="0"/>
@@ -5538,7 +7924,7 @@
           <p:nvPr/>
         </p:nvPicPr>
         <p:blipFill rotWithShape="1">
-          <a:blip r:embed="rId3">
+          <a:blip r:embed="rId4">
             <a:extLst>
               <a:ext uri="{28A0092B-C50C-407E-A947-70E740481C1C}">
                 <a14:useLocalDpi xmlns:a14="http://schemas.microsoft.com/office/drawing/2010/main" val="0"/>
@@ -5733,7 +8119,7 @@
           <p:nvPr/>
         </p:nvPicPr>
         <p:blipFill>
-          <a:blip r:embed="rId2">
+          <a:blip r:embed="rId3">
             <a:extLst>
               <a:ext uri="{28A0092B-C50C-407E-A947-70E740481C1C}">
                 <a14:useLocalDpi xmlns:a14="http://schemas.microsoft.com/office/drawing/2010/main" val="0"/>
@@ -5780,7 +8166,7 @@
           <p:nvPr/>
         </p:nvPicPr>
         <p:blipFill>
-          <a:blip r:embed="rId3">
+          <a:blip r:embed="rId4">
             <a:extLst>
               <a:ext uri="{28A0092B-C50C-407E-A947-70E740481C1C}">
                 <a14:useLocalDpi xmlns:a14="http://schemas.microsoft.com/office/drawing/2010/main" val="0"/>
@@ -5944,7 +8330,7 @@
           <p:nvPr/>
         </p:nvPicPr>
         <p:blipFill>
-          <a:blip r:embed="rId2">
+          <a:blip r:embed="rId3">
             <a:extLst>
               <a:ext uri="{28A0092B-C50C-407E-A947-70E740481C1C}">
                 <a14:useLocalDpi xmlns:a14="http://schemas.microsoft.com/office/drawing/2010/main" val="0"/>
@@ -5991,7 +8377,7 @@
           <p:nvPr/>
         </p:nvPicPr>
         <p:blipFill rotWithShape="1">
-          <a:blip r:embed="rId3">
+          <a:blip r:embed="rId4">
             <a:extLst>
               <a:ext uri="{28A0092B-C50C-407E-A947-70E740481C1C}">
                 <a14:useLocalDpi xmlns:a14="http://schemas.microsoft.com/office/drawing/2010/main" val="0"/>
@@ -6026,7 +8412,7 @@
           <p:nvPr/>
         </p:nvPicPr>
         <p:blipFill rotWithShape="1">
-          <a:blip r:embed="rId4">
+          <a:blip r:embed="rId5">
             <a:extLst>
               <a:ext uri="{28A0092B-C50C-407E-A947-70E740481C1C}">
                 <a14:useLocalDpi xmlns:a14="http://schemas.microsoft.com/office/drawing/2010/main" val="0"/>
@@ -6172,7 +8558,7 @@
                 </a:solidFill>
                 <a:effectLst/>
                 <a:latin typeface="-apple-system"/>
-                <a:hlinkClick r:id="rId2" tooltip="https://github.com/LTI-Sebastian-Puerta-Hincapie/CRS-Project-Group-A-Complete"/>
+                <a:hlinkClick r:id="rId3" tooltip="https://github.com/LTI-Sebastian-Puerta-Hincapie/CRS-Project-Group-A-Complete"/>
               </a:rPr>
               <a:t>https://github.com/LTI-Sebastian-Puerta-Hincapie/CRS-Project-Group-A-Complete</a:t>
             </a:r>
@@ -6198,7 +8584,7 @@
           <p:nvPr/>
         </p:nvPicPr>
         <p:blipFill>
-          <a:blip r:embed="rId3">
+          <a:blip r:embed="rId4">
             <a:extLst>
               <a:ext uri="{28A0092B-C50C-407E-A947-70E740481C1C}">
                 <a14:useLocalDpi xmlns:a14="http://schemas.microsoft.com/office/drawing/2010/main" val="0"/>
@@ -6262,10 +8648,41 @@
       </p:grpSpPr>
       <p:sp>
         <p:nvSpPr>
+          <p:cNvPr id="2" name="Title 1">
+            <a:extLst>
+              <a:ext uri="{FF2B5EF4-FFF2-40B4-BE49-F238E27FC236}">
+                <a16:creationId xmlns:a16="http://schemas.microsoft.com/office/drawing/2014/main" id="{DC4CB3BE-51E4-F7A8-4903-2E1C0C36E0CF}"/>
+              </a:ext>
+            </a:extLst>
+          </p:cNvPr>
+          <p:cNvSpPr>
+            <a:spLocks noGrp="1"/>
+          </p:cNvSpPr>
+          <p:nvPr>
+            <p:ph type="title"/>
+          </p:nvPr>
+        </p:nvSpPr>
+        <p:spPr/>
+        <p:txBody>
+          <a:bodyPr/>
+          <a:lstStyle/>
+          <a:p>
+            <a:r>
+              <a:rPr lang="en-US" b="1" dirty="0">
+                <a:latin typeface="Times New Roman" panose="02020603050405020304" pitchFamily="18" charset="0"/>
+                <a:cs typeface="Times New Roman" panose="02020603050405020304" pitchFamily="18" charset="0"/>
+              </a:rPr>
+              <a:t>FUTURE WORK</a:t>
+            </a:r>
+          </a:p>
+        </p:txBody>
+      </p:sp>
+      <p:sp>
+        <p:nvSpPr>
           <p:cNvPr id="3" name="Content Placeholder 2">
             <a:extLst>
               <a:ext uri="{FF2B5EF4-FFF2-40B4-BE49-F238E27FC236}">
-                <a16:creationId xmlns:a16="http://schemas.microsoft.com/office/drawing/2014/main" id="{645A7885-9F8A-740F-54ED-E563354A77A9}"/>
+                <a16:creationId xmlns:a16="http://schemas.microsoft.com/office/drawing/2014/main" id="{3ACC032F-3CAF-1C13-C4D7-30C08DEA3854}"/>
               </a:ext>
             </a:extLst>
           </p:cNvPr>
@@ -6278,8 +8695,197 @@
         </p:nvSpPr>
         <p:spPr>
           <a:xfrm>
-            <a:off x="661035" y="883320"/>
-            <a:ext cx="5520189" cy="5091359"/>
+            <a:off x="838200" y="1825625"/>
+            <a:ext cx="6852385" cy="4351338"/>
+          </a:xfrm>
+        </p:spPr>
+        <p:txBody>
+          <a:bodyPr>
+            <a:normAutofit/>
+          </a:bodyPr>
+          <a:lstStyle/>
+          <a:p>
+            <a:r>
+              <a:rPr lang="en-US" dirty="0">
+                <a:latin typeface="Times New Roman" panose="02020603050405020304" pitchFamily="18" charset="0"/>
+                <a:cs typeface="Times New Roman" panose="02020603050405020304" pitchFamily="18" charset="0"/>
+              </a:rPr>
+              <a:t>Convert from Angular to React application </a:t>
+            </a:r>
+          </a:p>
+          <a:p>
+            <a:r>
+              <a:rPr lang="en-US" dirty="0">
+                <a:latin typeface="Times New Roman" panose="02020603050405020304" pitchFamily="18" charset="0"/>
+                <a:cs typeface="Times New Roman" panose="02020603050405020304" pitchFamily="18" charset="0"/>
+              </a:rPr>
+              <a:t>Add OAUTH 2.0 Authentication (add security)</a:t>
+            </a:r>
+          </a:p>
+          <a:p>
+            <a:r>
+              <a:rPr lang="en-US" dirty="0">
+                <a:latin typeface="Times New Roman" panose="02020603050405020304" pitchFamily="18" charset="0"/>
+                <a:cs typeface="Times New Roman" panose="02020603050405020304" pitchFamily="18" charset="0"/>
+              </a:rPr>
+              <a:t>Host application on a cloud service (e.g. AWS)</a:t>
+            </a:r>
+          </a:p>
+          <a:p>
+            <a:r>
+              <a:rPr lang="en-US" dirty="0">
+                <a:latin typeface="Times New Roman" panose="02020603050405020304" pitchFamily="18" charset="0"/>
+                <a:cs typeface="Times New Roman" panose="02020603050405020304" pitchFamily="18" charset="0"/>
+              </a:rPr>
+              <a:t>Add CI/CD pipeline (to automate the deployment process) </a:t>
+            </a:r>
+          </a:p>
+        </p:txBody>
+      </p:sp>
+      <p:pic>
+        <p:nvPicPr>
+          <p:cNvPr id="20482" name="Picture 2" descr="Why the Future of Work Is Remote - Remote.co">
+            <a:extLst>
+              <a:ext uri="{FF2B5EF4-FFF2-40B4-BE49-F238E27FC236}">
+                <a16:creationId xmlns:a16="http://schemas.microsoft.com/office/drawing/2014/main" id="{289FD57D-8707-480D-166F-5FC833C3703F}"/>
+              </a:ext>
+            </a:extLst>
+          </p:cNvPr>
+          <p:cNvPicPr>
+            <a:picLocks noChangeAspect="1" noChangeArrowheads="1"/>
+          </p:cNvPicPr>
+          <p:nvPr/>
+        </p:nvPicPr>
+        <p:blipFill>
+          <a:blip r:embed="rId3">
+            <a:extLst>
+              <a:ext uri="{28A0092B-C50C-407E-A947-70E740481C1C}">
+                <a14:useLocalDpi xmlns:a14="http://schemas.microsoft.com/office/drawing/2010/main" val="0"/>
+              </a:ext>
+            </a:extLst>
+          </a:blip>
+          <a:srcRect/>
+          <a:stretch>
+            <a:fillRect/>
+          </a:stretch>
+        </p:blipFill>
+        <p:spPr bwMode="auto">
+          <a:xfrm>
+            <a:off x="7801279" y="1825625"/>
+            <a:ext cx="4142068" cy="2071034"/>
+          </a:xfrm>
+          <a:prstGeom prst="rect">
+            <a:avLst/>
+          </a:prstGeom>
+          <a:noFill/>
+          <a:extLst>
+            <a:ext uri="{909E8E84-426E-40DD-AFC4-6F175D3DCCD1}">
+              <a14:hiddenFill xmlns:a14="http://schemas.microsoft.com/office/drawing/2010/main">
+                <a:solidFill>
+                  <a:srgbClr val="FFFFFF"/>
+                </a:solidFill>
+              </a14:hiddenFill>
+            </a:ext>
+          </a:extLst>
+        </p:spPr>
+      </p:pic>
+      <p:pic>
+        <p:nvPicPr>
+          <p:cNvPr id="4" name="Picture 2" descr="LTI launches app that ensures employee safety and business continuity">
+            <a:extLst>
+              <a:ext uri="{FF2B5EF4-FFF2-40B4-BE49-F238E27FC236}">
+                <a16:creationId xmlns:a16="http://schemas.microsoft.com/office/drawing/2014/main" id="{72B2453D-FDCF-BD63-63E8-3704CBC5BCC0}"/>
+              </a:ext>
+            </a:extLst>
+          </p:cNvPr>
+          <p:cNvPicPr>
+            <a:picLocks noChangeAspect="1" noChangeArrowheads="1"/>
+          </p:cNvPicPr>
+          <p:nvPr/>
+        </p:nvPicPr>
+        <p:blipFill>
+          <a:blip r:embed="rId4">
+            <a:extLst>
+              <a:ext uri="{28A0092B-C50C-407E-A947-70E740481C1C}">
+                <a14:useLocalDpi xmlns:a14="http://schemas.microsoft.com/office/drawing/2010/main" val="0"/>
+              </a:ext>
+            </a:extLst>
+          </a:blip>
+          <a:srcRect/>
+          <a:stretch>
+            <a:fillRect/>
+          </a:stretch>
+        </p:blipFill>
+        <p:spPr bwMode="auto">
+          <a:xfrm>
+            <a:off x="10869930" y="6145167"/>
+            <a:ext cx="1322070" cy="712833"/>
+          </a:xfrm>
+          <a:prstGeom prst="rect">
+            <a:avLst/>
+          </a:prstGeom>
+          <a:noFill/>
+          <a:extLst>
+            <a:ext uri="{909E8E84-426E-40DD-AFC4-6F175D3DCCD1}">
+              <a14:hiddenFill xmlns:a14="http://schemas.microsoft.com/office/drawing/2010/main">
+                <a:solidFill>
+                  <a:srgbClr val="FFFFFF"/>
+                </a:solidFill>
+              </a14:hiddenFill>
+            </a:ext>
+          </a:extLst>
+        </p:spPr>
+      </p:pic>
+    </p:spTree>
+    <p:extLst>
+      <p:ext uri="{BB962C8B-B14F-4D97-AF65-F5344CB8AC3E}">
+        <p14:creationId xmlns:p14="http://schemas.microsoft.com/office/powerpoint/2010/main" val="2307429423"/>
+      </p:ext>
+    </p:extLst>
+  </p:cSld>
+  <p:clrMapOvr>
+    <a:masterClrMapping/>
+  </p:clrMapOvr>
+</p:sld>
+</file>
+
+<file path=ppt/slides/slide18.xml><?xml version="1.0" encoding="utf-8"?>
+<p:sld xmlns:a="http://schemas.openxmlformats.org/drawingml/2006/main" xmlns:r="http://schemas.openxmlformats.org/officeDocument/2006/relationships" xmlns:p="http://schemas.openxmlformats.org/presentationml/2006/main">
+  <p:cSld>
+    <p:spTree>
+      <p:nvGrpSpPr>
+        <p:cNvPr id="1" name=""/>
+        <p:cNvGrpSpPr/>
+        <p:nvPr/>
+      </p:nvGrpSpPr>
+      <p:grpSpPr>
+        <a:xfrm>
+          <a:off x="0" y="0"/>
+          <a:ext cx="0" cy="0"/>
+          <a:chOff x="0" y="0"/>
+          <a:chExt cx="0" cy="0"/>
+        </a:xfrm>
+      </p:grpSpPr>
+      <p:sp>
+        <p:nvSpPr>
+          <p:cNvPr id="3" name="Content Placeholder 2">
+            <a:extLst>
+              <a:ext uri="{FF2B5EF4-FFF2-40B4-BE49-F238E27FC236}">
+                <a16:creationId xmlns:a16="http://schemas.microsoft.com/office/drawing/2014/main" id="{645A7885-9F8A-740F-54ED-E563354A77A9}"/>
+              </a:ext>
+            </a:extLst>
+          </p:cNvPr>
+          <p:cNvSpPr>
+            <a:spLocks noGrp="1"/>
+          </p:cNvSpPr>
+          <p:nvPr>
+            <p:ph idx="1"/>
+          </p:nvPr>
+        </p:nvSpPr>
+        <p:spPr>
+          <a:xfrm>
+            <a:off x="575811" y="202131"/>
+            <a:ext cx="5520189" cy="4937759"/>
           </a:xfrm>
         </p:spPr>
         <p:txBody>
@@ -6431,7 +9037,7 @@
         </p:blipFill>
         <p:spPr bwMode="auto">
           <a:xfrm>
-            <a:off x="7202805" y="1805940"/>
+            <a:off x="7202805" y="1170673"/>
             <a:ext cx="4328160" cy="3246120"/>
           </a:xfrm>
           <a:prstGeom prst="rect">
@@ -6462,6 +9068,99 @@
 </p:sld>
 </file>
 
+<file path=ppt/slides/slide19.xml><?xml version="1.0" encoding="utf-8"?>
+<p:sld xmlns:a="http://schemas.openxmlformats.org/drawingml/2006/main" xmlns:r="http://schemas.openxmlformats.org/officeDocument/2006/relationships" xmlns:p="http://schemas.openxmlformats.org/presentationml/2006/main">
+  <p:cSld>
+    <p:spTree>
+      <p:nvGrpSpPr>
+        <p:cNvPr id="1" name=""/>
+        <p:cNvGrpSpPr/>
+        <p:nvPr/>
+      </p:nvGrpSpPr>
+      <p:grpSpPr>
+        <a:xfrm>
+          <a:off x="0" y="0"/>
+          <a:ext cx="0" cy="0"/>
+          <a:chOff x="0" y="0"/>
+          <a:chExt cx="0" cy="0"/>
+        </a:xfrm>
+      </p:grpSpPr>
+      <p:sp>
+        <p:nvSpPr>
+          <p:cNvPr id="3" name="Content Placeholder 2">
+            <a:extLst>
+              <a:ext uri="{FF2B5EF4-FFF2-40B4-BE49-F238E27FC236}">
+                <a16:creationId xmlns:a16="http://schemas.microsoft.com/office/drawing/2014/main" id="{26FBAEB5-F3C0-75D1-0422-BDD5D12E2D96}"/>
+              </a:ext>
+            </a:extLst>
+          </p:cNvPr>
+          <p:cNvSpPr>
+            <a:spLocks noGrp="1"/>
+          </p:cNvSpPr>
+          <p:nvPr>
+            <p:ph idx="1"/>
+          </p:nvPr>
+        </p:nvSpPr>
+        <p:spPr>
+          <a:xfrm>
+            <a:off x="1704072" y="1439795"/>
+            <a:ext cx="9091863" cy="2168859"/>
+          </a:xfrm>
+        </p:spPr>
+        <p:txBody>
+          <a:bodyPr>
+            <a:normAutofit fontScale="92500" lnSpcReduction="10000"/>
+          </a:bodyPr>
+          <a:lstStyle/>
+          <a:p>
+            <a:pPr marL="0" indent="0">
+              <a:buNone/>
+            </a:pPr>
+            <a:r>
+              <a:rPr lang="en-US" sz="4000" b="1" i="0" dirty="0">
+                <a:effectLst/>
+                <a:latin typeface="Times New Roman" panose="02020603050405020304" pitchFamily="18" charset="0"/>
+                <a:cs typeface="Times New Roman" panose="02020603050405020304" pitchFamily="18" charset="0"/>
+              </a:rPr>
+              <a:t>“Tell me and I forget, teach me and I may remember, involve me and I learn.”</a:t>
+            </a:r>
+          </a:p>
+          <a:p>
+            <a:pPr marL="0" indent="0">
+              <a:buNone/>
+            </a:pPr>
+            <a:endParaRPr lang="en-US" sz="4000" b="1" dirty="0">
+              <a:latin typeface="Times New Roman" panose="02020603050405020304" pitchFamily="18" charset="0"/>
+              <a:cs typeface="Times New Roman" panose="02020603050405020304" pitchFamily="18" charset="0"/>
+            </a:endParaRPr>
+          </a:p>
+          <a:p>
+            <a:pPr marL="0" indent="0">
+              <a:buNone/>
+            </a:pPr>
+            <a:r>
+              <a:rPr lang="en-US" sz="4000" b="1" dirty="0">
+                <a:latin typeface="Times New Roman" panose="02020603050405020304" pitchFamily="18" charset="0"/>
+                <a:cs typeface="Times New Roman" panose="02020603050405020304" pitchFamily="18" charset="0"/>
+              </a:rPr>
+              <a:t>- Benjamin Franklin</a:t>
+            </a:r>
+          </a:p>
+        </p:txBody>
+      </p:sp>
+    </p:spTree>
+    <p:extLst>
+      <p:ext uri="{BB962C8B-B14F-4D97-AF65-F5344CB8AC3E}">
+        <p14:creationId xmlns:p14="http://schemas.microsoft.com/office/powerpoint/2010/main" val="4007825578"/>
+      </p:ext>
+    </p:extLst>
+  </p:cSld>
+  <p:clrMapOvr>
+    <a:masterClrMapping/>
+  </p:clrMapOvr>
+</p:sld>
+</file>
+
 <file path=ppt/slides/slide2.xml><?xml version="1.0" encoding="utf-8"?>
 <p:sld xmlns:a="http://schemas.openxmlformats.org/drawingml/2006/main" xmlns:r="http://schemas.openxmlformats.org/officeDocument/2006/relationships" xmlns:p="http://schemas.openxmlformats.org/presentationml/2006/main">
   <p:cSld>
@@ -6684,7 +9383,7 @@
           <p:nvPr/>
         </p:nvPicPr>
         <p:blipFill>
-          <a:blip r:embed="rId2">
+          <a:blip r:embed="rId3">
             <a:extLst>
               <a:ext uri="{28A0092B-C50C-407E-A947-70E740481C1C}">
                 <a14:useLocalDpi xmlns:a14="http://schemas.microsoft.com/office/drawing/2010/main" val="0"/>
@@ -6978,7 +9677,7 @@
           <p:nvPr/>
         </p:nvPicPr>
         <p:blipFill>
-          <a:blip r:embed="rId2">
+          <a:blip r:embed="rId3">
             <a:extLst>
               <a:ext uri="{28A0092B-C50C-407E-A947-70E740481C1C}">
                 <a14:useLocalDpi xmlns:a14="http://schemas.microsoft.com/office/drawing/2010/main" val="0"/>
@@ -7157,7 +9856,7 @@
           <p:nvPr/>
         </p:nvPicPr>
         <p:blipFill>
-          <a:blip r:embed="rId2">
+          <a:blip r:embed="rId3">
             <a:extLst>
               <a:ext uri="{28A0092B-C50C-407E-A947-70E740481C1C}">
                 <a14:useLocalDpi xmlns:a14="http://schemas.microsoft.com/office/drawing/2010/main" val="0"/>
@@ -7204,7 +9903,7 @@
           <p:nvPr/>
         </p:nvPicPr>
         <p:blipFill>
-          <a:blip r:embed="rId3">
+          <a:blip r:embed="rId4">
             <a:extLst>
               <a:ext uri="{28A0092B-C50C-407E-A947-70E740481C1C}">
                 <a14:useLocalDpi xmlns:a14="http://schemas.microsoft.com/office/drawing/2010/main" val="0"/>
@@ -7391,7 +10090,7 @@
                 <a:latin typeface="Times New Roman" panose="02020603050405020304" pitchFamily="18" charset="0"/>
                 <a:cs typeface="Times New Roman" panose="02020603050405020304" pitchFamily="18" charset="0"/>
               </a:rPr>
-              <a:t>Daily coverage of concerns, blockers, best practices, or questions with trainer</a:t>
+              <a:t>Daily coverage of concerns, blockers, best practices, or questions</a:t>
             </a:r>
           </a:p>
         </p:txBody>
@@ -7411,7 +10110,7 @@
           <p:nvPr/>
         </p:nvPicPr>
         <p:blipFill>
-          <a:blip r:embed="rId2">
+          <a:blip r:embed="rId3">
             <a:extLst>
               <a:ext uri="{28A0092B-C50C-407E-A947-70E740481C1C}">
                 <a14:useLocalDpi xmlns:a14="http://schemas.microsoft.com/office/drawing/2010/main" val="0"/>
@@ -7458,7 +10157,7 @@
           <p:nvPr/>
         </p:nvPicPr>
         <p:blipFill>
-          <a:blip r:embed="rId3"/>
+          <a:blip r:embed="rId4"/>
           <a:stretch>
             <a:fillRect/>
           </a:stretch>
@@ -7488,7 +10187,7 @@
         <p:spPr>
           <a:xfrm>
             <a:off x="138561" y="5515249"/>
-            <a:ext cx="10731369" cy="400110"/>
+            <a:ext cx="11421380" cy="400110"/>
           </a:xfrm>
           <a:prstGeom prst="rect">
             <a:avLst/>
@@ -7547,7 +10246,7 @@
                 <a:cs typeface="Times New Roman" panose="02020603050405020304" pitchFamily="18" charset="0"/>
                 <a:sym typeface="Wingdings" panose="05000000000000000000" pitchFamily="2" charset="2"/>
               </a:rPr>
-              <a:t> Project Application  Homework</a:t>
+              <a:t> Integrate with Project  Homework</a:t>
             </a:r>
             <a:endParaRPr lang="en-US" sz="2000" b="1" dirty="0">
               <a:latin typeface="Times New Roman" panose="02020603050405020304" pitchFamily="18" charset="0"/>
@@ -7601,7 +10300,7 @@
           <p:nvPr/>
         </p:nvPicPr>
         <p:blipFill>
-          <a:blip r:embed="rId2">
+          <a:blip r:embed="rId3">
             <a:extLst>
               <a:ext uri="{28A0092B-C50C-407E-A947-70E740481C1C}">
                 <a14:useLocalDpi xmlns:a14="http://schemas.microsoft.com/office/drawing/2010/main" val="0"/>
@@ -7803,7 +10502,7 @@
           <p:nvPr/>
         </p:nvPicPr>
         <p:blipFill rotWithShape="1">
-          <a:blip r:embed="rId3">
+          <a:blip r:embed="rId4">
             <a:alphaModFix/>
           </a:blip>
           <a:srcRect/>
@@ -7881,7 +10580,7 @@
           <p:nvPr/>
         </p:nvPicPr>
         <p:blipFill>
-          <a:blip r:embed="rId2">
+          <a:blip r:embed="rId3">
             <a:extLst>
               <a:ext uri="{28A0092B-C50C-407E-A947-70E740481C1C}">
                 <a14:useLocalDpi xmlns:a14="http://schemas.microsoft.com/office/drawing/2010/main" val="0"/>
@@ -8106,7 +10805,7 @@
           <p:nvPr/>
         </p:nvPicPr>
         <p:blipFill>
-          <a:blip r:embed="rId3">
+          <a:blip r:embed="rId4">
             <a:extLst>
               <a:ext uri="{28A0092B-C50C-407E-A947-70E740481C1C}">
                 <a14:useLocalDpi xmlns:a14="http://schemas.microsoft.com/office/drawing/2010/main" val="0"/>
@@ -8290,7 +10989,7 @@
           <p:nvPr/>
         </p:nvPicPr>
         <p:blipFill>
-          <a:blip r:embed="rId2">
+          <a:blip r:embed="rId3">
             <a:extLst>
               <a:ext uri="{28A0092B-C50C-407E-A947-70E740481C1C}">
                 <a14:useLocalDpi xmlns:a14="http://schemas.microsoft.com/office/drawing/2010/main" val="0"/>
@@ -8337,7 +11036,7 @@
           <p:nvPr/>
         </p:nvPicPr>
         <p:blipFill>
-          <a:blip r:embed="rId3"/>
+          <a:blip r:embed="rId4"/>
           <a:stretch>
             <a:fillRect/>
           </a:stretch>
@@ -8506,7 +11205,7 @@
           <p:nvPr/>
         </p:nvPicPr>
         <p:blipFill>
-          <a:blip r:embed="rId4"/>
+          <a:blip r:embed="rId5"/>
           <a:stretch>
             <a:fillRect/>
           </a:stretch>
@@ -8666,7 +11365,7 @@
                 <a:latin typeface="Times New Roman" panose="02020603050405020304" pitchFamily="18" charset="0"/>
                 <a:cs typeface="Times New Roman" panose="02020603050405020304" pitchFamily="18" charset="0"/>
               </a:rPr>
-              <a:t>Implemented User Service</a:t>
+              <a:t>Implemented backend User Service</a:t>
             </a:r>
           </a:p>
           <a:p>
@@ -8679,7 +11378,7 @@
                 <a:latin typeface="Times New Roman" panose="02020603050405020304" pitchFamily="18" charset="0"/>
                 <a:cs typeface="Times New Roman" panose="02020603050405020304" pitchFamily="18" charset="0"/>
               </a:rPr>
-              <a:t>Implemented Student Service</a:t>
+              <a:t>Implemented backend Student Service</a:t>
             </a:r>
           </a:p>
           <a:p>
@@ -8795,7 +11494,7 @@
                 <a:latin typeface="Times New Roman" panose="02020603050405020304" pitchFamily="18" charset="0"/>
                 <a:cs typeface="Times New Roman" panose="02020603050405020304" pitchFamily="18" charset="0"/>
               </a:rPr>
-              <a:t>Implemented professor service</a:t>
+              <a:t>Implemented backend professor service</a:t>
             </a:r>
           </a:p>
           <a:p>
@@ -8836,7 +11535,7 @@
                 <a:latin typeface="Times New Roman" panose="02020603050405020304" pitchFamily="18" charset="0"/>
                 <a:cs typeface="Times New Roman" panose="02020603050405020304" pitchFamily="18" charset="0"/>
               </a:rPr>
-              <a:t>Implemented admin service</a:t>
+              <a:t>Implemented backend admin service</a:t>
             </a:r>
           </a:p>
           <a:p>
@@ -8869,7 +11568,7 @@
           <p:nvPr/>
         </p:nvPicPr>
         <p:blipFill>
-          <a:blip r:embed="rId2">
+          <a:blip r:embed="rId3">
             <a:extLst>
               <a:ext uri="{28A0092B-C50C-407E-A947-70E740481C1C}">
                 <a14:useLocalDpi xmlns:a14="http://schemas.microsoft.com/office/drawing/2010/main" val="0"/>
@@ -9207,4 +11906,299 @@
     </a:ext>
   </a:extLst>
 </a:theme>
+</file>
+
+<file path=ppt/theme/theme2.xml><?xml version="1.0" encoding="utf-8"?>
+<a:theme xmlns:a="http://schemas.openxmlformats.org/drawingml/2006/main" name="Office Theme">
+  <a:themeElements>
+    <a:clrScheme name="Office">
+      <a:dk1>
+        <a:sysClr val="windowText" lastClr="000000"/>
+      </a:dk1>
+      <a:lt1>
+        <a:sysClr val="window" lastClr="FFFFFF"/>
+      </a:lt1>
+      <a:dk2>
+        <a:srgbClr val="44546A"/>
+      </a:dk2>
+      <a:lt2>
+        <a:srgbClr val="E7E6E6"/>
+      </a:lt2>
+      <a:accent1>
+        <a:srgbClr val="4472C4"/>
+      </a:accent1>
+      <a:accent2>
+        <a:srgbClr val="ED7D31"/>
+      </a:accent2>
+      <a:accent3>
+        <a:srgbClr val="A5A5A5"/>
+      </a:accent3>
+      <a:accent4>
+        <a:srgbClr val="FFC000"/>
+      </a:accent4>
+      <a:accent5>
+        <a:srgbClr val="5B9BD5"/>
+      </a:accent5>
+      <a:accent6>
+        <a:srgbClr val="70AD47"/>
+      </a:accent6>
+      <a:hlink>
+        <a:srgbClr val="0563C1"/>
+      </a:hlink>
+      <a:folHlink>
+        <a:srgbClr val="954F72"/>
+      </a:folHlink>
+    </a:clrScheme>
+    <a:fontScheme name="Office">
+      <a:majorFont>
+        <a:latin typeface="Calibri Light" panose="020F0302020204030204"/>
+        <a:ea typeface=""/>
+        <a:cs typeface=""/>
+        <a:font script="Jpan" typeface="游ゴシック Light"/>
+        <a:font script="Hang" typeface="맑은 고딕"/>
+        <a:font script="Hans" typeface="等线 Light"/>
+        <a:font script="Hant" typeface="新細明體"/>
+        <a:font script="Arab" typeface="Times New Roman"/>
+        <a:font script="Hebr" typeface="Times New Roman"/>
+        <a:font script="Thai" typeface="Angsana New"/>
+        <a:font script="Ethi" typeface="Nyala"/>
+        <a:font script="Beng" typeface="Vrinda"/>
+        <a:font script="Gujr" typeface="Shruti"/>
+        <a:font script="Khmr" typeface="MoolBoran"/>
+        <a:font script="Knda" typeface="Tunga"/>
+        <a:font script="Guru" typeface="Raavi"/>
+        <a:font script="Cans" typeface="Euphemia"/>
+        <a:font script="Cher" typeface="Plantagenet Cherokee"/>
+        <a:font script="Yiii" typeface="Microsoft Yi Baiti"/>
+        <a:font script="Tibt" typeface="Microsoft Himalaya"/>
+        <a:font script="Thaa" typeface="MV Boli"/>
+        <a:font script="Deva" typeface="Mangal"/>
+        <a:font script="Telu" typeface="Gautami"/>
+        <a:font script="Taml" typeface="Latha"/>
+        <a:font script="Syrc" typeface="Estrangelo Edessa"/>
+        <a:font script="Orya" typeface="Kalinga"/>
+        <a:font script="Mlym" typeface="Kartika"/>
+        <a:font script="Laoo" typeface="DokChampa"/>
+        <a:font script="Sinh" typeface="Iskoola Pota"/>
+        <a:font script="Mong" typeface="Mongolian Baiti"/>
+        <a:font script="Viet" typeface="Times New Roman"/>
+        <a:font script="Uigh" typeface="Microsoft Uighur"/>
+        <a:font script="Geor" typeface="Sylfaen"/>
+        <a:font script="Armn" typeface="Arial"/>
+        <a:font script="Bugi" typeface="Leelawadee UI"/>
+        <a:font script="Bopo" typeface="Microsoft JhengHei"/>
+        <a:font script="Java" typeface="Javanese Text"/>
+        <a:font script="Lisu" typeface="Segoe UI"/>
+        <a:font script="Mymr" typeface="Myanmar Text"/>
+        <a:font script="Nkoo" typeface="Ebrima"/>
+        <a:font script="Olck" typeface="Nirmala UI"/>
+        <a:font script="Osma" typeface="Ebrima"/>
+        <a:font script="Phag" typeface="Phagspa"/>
+        <a:font script="Syrn" typeface="Estrangelo Edessa"/>
+        <a:font script="Syrj" typeface="Estrangelo Edessa"/>
+        <a:font script="Syre" typeface="Estrangelo Edessa"/>
+        <a:font script="Sora" typeface="Nirmala UI"/>
+        <a:font script="Tale" typeface="Microsoft Tai Le"/>
+        <a:font script="Talu" typeface="Microsoft New Tai Lue"/>
+        <a:font script="Tfng" typeface="Ebrima"/>
+      </a:majorFont>
+      <a:minorFont>
+        <a:latin typeface="Calibri" panose="020F0502020204030204"/>
+        <a:ea typeface=""/>
+        <a:cs typeface=""/>
+        <a:font script="Jpan" typeface="游ゴシック"/>
+        <a:font script="Hang" typeface="맑은 고딕"/>
+        <a:font script="Hans" typeface="等线"/>
+        <a:font script="Hant" typeface="新細明體"/>
+        <a:font script="Arab" typeface="Arial"/>
+        <a:font script="Hebr" typeface="Arial"/>
+        <a:font script="Thai" typeface="Cordia New"/>
+        <a:font script="Ethi" typeface="Nyala"/>
+        <a:font script="Beng" typeface="Vrinda"/>
+        <a:font script="Gujr" typeface="Shruti"/>
+        <a:font script="Khmr" typeface="DaunPenh"/>
+        <a:font script="Knda" typeface="Tunga"/>
+        <a:font script="Guru" typeface="Raavi"/>
+        <a:font script="Cans" typeface="Euphemia"/>
+        <a:font script="Cher" typeface="Plantagenet Cherokee"/>
+        <a:font script="Yiii" typeface="Microsoft Yi Baiti"/>
+        <a:font script="Tibt" typeface="Microsoft Himalaya"/>
+        <a:font script="Thaa" typeface="MV Boli"/>
+        <a:font script="Deva" typeface="Mangal"/>
+        <a:font script="Telu" typeface="Gautami"/>
+        <a:font script="Taml" typeface="Latha"/>
+        <a:font script="Syrc" typeface="Estrangelo Edessa"/>
+        <a:font script="Orya" typeface="Kalinga"/>
+        <a:font script="Mlym" typeface="Kartika"/>
+        <a:font script="Laoo" typeface="DokChampa"/>
+        <a:font script="Sinh" typeface="Iskoola Pota"/>
+        <a:font script="Mong" typeface="Mongolian Baiti"/>
+        <a:font script="Viet" typeface="Arial"/>
+        <a:font script="Uigh" typeface="Microsoft Uighur"/>
+        <a:font script="Geor" typeface="Sylfaen"/>
+        <a:font script="Armn" typeface="Arial"/>
+        <a:font script="Bugi" typeface="Leelawadee UI"/>
+        <a:font script="Bopo" typeface="Microsoft JhengHei"/>
+        <a:font script="Java" typeface="Javanese Text"/>
+        <a:font script="Lisu" typeface="Segoe UI"/>
+        <a:font script="Mymr" typeface="Myanmar Text"/>
+        <a:font script="Nkoo" typeface="Ebrima"/>
+        <a:font script="Olck" typeface="Nirmala UI"/>
+        <a:font script="Osma" typeface="Ebrima"/>
+        <a:font script="Phag" typeface="Phagspa"/>
+        <a:font script="Syrn" typeface="Estrangelo Edessa"/>
+        <a:font script="Syrj" typeface="Estrangelo Edessa"/>
+        <a:font script="Syre" typeface="Estrangelo Edessa"/>
+        <a:font script="Sora" typeface="Nirmala UI"/>
+        <a:font script="Tale" typeface="Microsoft Tai Le"/>
+        <a:font script="Talu" typeface="Microsoft New Tai Lue"/>
+        <a:font script="Tfng" typeface="Ebrima"/>
+      </a:minorFont>
+    </a:fontScheme>
+    <a:fmtScheme name="Office">
+      <a:fillStyleLst>
+        <a:solidFill>
+          <a:schemeClr val="phClr"/>
+        </a:solidFill>
+        <a:gradFill rotWithShape="1">
+          <a:gsLst>
+            <a:gs pos="0">
+              <a:schemeClr val="phClr">
+                <a:lumMod val="110000"/>
+                <a:satMod val="105000"/>
+                <a:tint val="67000"/>
+              </a:schemeClr>
+            </a:gs>
+            <a:gs pos="50000">
+              <a:schemeClr val="phClr">
+                <a:lumMod val="105000"/>
+                <a:satMod val="103000"/>
+                <a:tint val="73000"/>
+              </a:schemeClr>
+            </a:gs>
+            <a:gs pos="100000">
+              <a:schemeClr val="phClr">
+                <a:lumMod val="105000"/>
+                <a:satMod val="109000"/>
+                <a:tint val="81000"/>
+              </a:schemeClr>
+            </a:gs>
+          </a:gsLst>
+          <a:lin ang="5400000" scaled="0"/>
+        </a:gradFill>
+        <a:gradFill rotWithShape="1">
+          <a:gsLst>
+            <a:gs pos="0">
+              <a:schemeClr val="phClr">
+                <a:satMod val="103000"/>
+                <a:lumMod val="102000"/>
+                <a:tint val="94000"/>
+              </a:schemeClr>
+            </a:gs>
+            <a:gs pos="50000">
+              <a:schemeClr val="phClr">
+                <a:satMod val="110000"/>
+                <a:lumMod val="100000"/>
+                <a:shade val="100000"/>
+              </a:schemeClr>
+            </a:gs>
+            <a:gs pos="100000">
+              <a:schemeClr val="phClr">
+                <a:lumMod val="99000"/>
+                <a:satMod val="120000"/>
+                <a:shade val="78000"/>
+              </a:schemeClr>
+            </a:gs>
+          </a:gsLst>
+          <a:lin ang="5400000" scaled="0"/>
+        </a:gradFill>
+      </a:fillStyleLst>
+      <a:lnStyleLst>
+        <a:ln w="6350" cap="flat" cmpd="sng" algn="ctr">
+          <a:solidFill>
+            <a:schemeClr val="phClr"/>
+          </a:solidFill>
+          <a:prstDash val="solid"/>
+          <a:miter lim="800000"/>
+        </a:ln>
+        <a:ln w="12700" cap="flat" cmpd="sng" algn="ctr">
+          <a:solidFill>
+            <a:schemeClr val="phClr"/>
+          </a:solidFill>
+          <a:prstDash val="solid"/>
+          <a:miter lim="800000"/>
+        </a:ln>
+        <a:ln w="19050" cap="flat" cmpd="sng" algn="ctr">
+          <a:solidFill>
+            <a:schemeClr val="phClr"/>
+          </a:solidFill>
+          <a:prstDash val="solid"/>
+          <a:miter lim="800000"/>
+        </a:ln>
+      </a:lnStyleLst>
+      <a:effectStyleLst>
+        <a:effectStyle>
+          <a:effectLst/>
+        </a:effectStyle>
+        <a:effectStyle>
+          <a:effectLst/>
+        </a:effectStyle>
+        <a:effectStyle>
+          <a:effectLst>
+            <a:outerShdw blurRad="57150" dist="19050" dir="5400000" algn="ctr" rotWithShape="0">
+              <a:srgbClr val="000000">
+                <a:alpha val="63000"/>
+              </a:srgbClr>
+            </a:outerShdw>
+          </a:effectLst>
+        </a:effectStyle>
+      </a:effectStyleLst>
+      <a:bgFillStyleLst>
+        <a:solidFill>
+          <a:schemeClr val="phClr"/>
+        </a:solidFill>
+        <a:solidFill>
+          <a:schemeClr val="phClr">
+            <a:tint val="95000"/>
+            <a:satMod val="170000"/>
+          </a:schemeClr>
+        </a:solidFill>
+        <a:gradFill rotWithShape="1">
+          <a:gsLst>
+            <a:gs pos="0">
+              <a:schemeClr val="phClr">
+                <a:tint val="93000"/>
+                <a:satMod val="150000"/>
+                <a:shade val="98000"/>
+                <a:lumMod val="102000"/>
+              </a:schemeClr>
+            </a:gs>
+            <a:gs pos="50000">
+              <a:schemeClr val="phClr">
+                <a:tint val="98000"/>
+                <a:satMod val="130000"/>
+                <a:shade val="90000"/>
+                <a:lumMod val="103000"/>
+              </a:schemeClr>
+            </a:gs>
+            <a:gs pos="100000">
+              <a:schemeClr val="phClr">
+                <a:shade val="63000"/>
+                <a:satMod val="120000"/>
+              </a:schemeClr>
+            </a:gs>
+          </a:gsLst>
+          <a:lin ang="5400000" scaled="0"/>
+        </a:gradFill>
+      </a:bgFillStyleLst>
+    </a:fmtScheme>
+  </a:themeElements>
+  <a:objectDefaults/>
+  <a:extraClrSchemeLst/>
+  <a:extLst>
+    <a:ext uri="{05A4C25C-085E-4340-85A3-A5531E510DB2}">
+      <thm15:themeFamily xmlns:thm15="http://schemas.microsoft.com/office/thememl/2012/main" name="Office Theme" id="{62F939B6-93AF-4DB8-9C6B-D6C7DFDC589F}" vid="{4A3C46E8-61CC-4603-A589-7422A47A8E4A}"/>
+    </a:ext>
+  </a:extLst>
+</a:theme>
 </file>